--- a/2 vsStudio_P/Reports/201215_EmartIbgu_Kiosk/ppt/이마트 식품코너 입구 키오스크.pptx
+++ b/2 vsStudio_P/Reports/201215_EmartIbgu_Kiosk/ppt/이마트 식품코너 입구 키오스크.pptx
@@ -5,7 +5,7 @@
     <p:sldMasterId id="2147483648" r:id="rId1"/>
   </p:sldMasterIdLst>
   <p:notesMasterIdLst>
-    <p:notesMasterId r:id="rId8"/>
+    <p:notesMasterId r:id="rId12"/>
   </p:notesMasterIdLst>
   <p:sldIdLst>
     <p:sldId id="256" r:id="rId2"/>
@@ -13,7 +13,11 @@
     <p:sldId id="266" r:id="rId4"/>
     <p:sldId id="275" r:id="rId5"/>
     <p:sldId id="276" r:id="rId6"/>
-    <p:sldId id="279" r:id="rId7"/>
+    <p:sldId id="281" r:id="rId7"/>
+    <p:sldId id="282" r:id="rId8"/>
+    <p:sldId id="283" r:id="rId9"/>
+    <p:sldId id="284" r:id="rId10"/>
+    <p:sldId id="279" r:id="rId11"/>
   </p:sldIdLst>
   <p:sldSz cx="9906000" cy="6858000" type="A4"/>
   <p:notesSz cx="6858000" cy="9144000"/>
@@ -197,7 +201,7 @@
           <a:p>
             <a:fld id="{A9FF4D61-6E7F-481A-AD24-399A2CA415A2}" type="datetimeFigureOut">
               <a:rPr lang="ko-KR" altLang="en-US" smtClean="0"/>
-              <a:t>2020-12-20</a:t>
+              <a:t>2020-12-31</a:t>
             </a:fld>
             <a:endParaRPr lang="ko-KR" altLang="en-US"/>
           </a:p>
@@ -651,7 +655,7 @@
           <a:p>
             <a:fld id="{1D2FF44C-5086-4557-981A-3C80CFB57009}" type="datetimeFigureOut">
               <a:rPr lang="ko-KR" altLang="en-US" smtClean="0"/>
-              <a:t>2020-12-20</a:t>
+              <a:t>2020-12-31</a:t>
             </a:fld>
             <a:endParaRPr lang="ko-KR" altLang="en-US"/>
           </a:p>
@@ -864,7 +868,7 @@
           <a:p>
             <a:fld id="{1D2FF44C-5086-4557-981A-3C80CFB57009}" type="datetimeFigureOut">
               <a:rPr lang="ko-KR" altLang="en-US" smtClean="0"/>
-              <a:t>2020-12-20</a:t>
+              <a:t>2020-12-31</a:t>
             </a:fld>
             <a:endParaRPr lang="ko-KR" altLang="en-US"/>
           </a:p>
@@ -1339,7 +1343,7 @@
           </p:cNvPicPr>
           <p:nvPr/>
         </p:nvPicPr>
-        <p:blipFill>
+        <p:blipFill rotWithShape="1">
           <a:blip r:embed="rId2">
             <a:extLst>
               <a:ext uri="{28A0092B-C50C-407E-A947-70E740481C1C}">
@@ -1347,14 +1351,13 @@
               </a:ext>
             </a:extLst>
           </a:blip>
-          <a:stretch>
-            <a:fillRect/>
-          </a:stretch>
+          <a:srcRect b="29725"/>
+          <a:stretch/>
         </p:blipFill>
         <p:spPr>
           <a:xfrm>
             <a:off x="6105128" y="777887"/>
-            <a:ext cx="3622568" cy="8651869"/>
+            <a:ext cx="3622568" cy="6080113"/>
           </a:xfrm>
           <a:prstGeom prst="rect">
             <a:avLst/>
@@ -1485,6 +1488,93 @@
 </p:sld>
 </file>
 
+<file path=ppt/slides/slide10.xml><?xml version="1.0" encoding="utf-8"?>
+<p:sld xmlns:a="http://schemas.openxmlformats.org/drawingml/2006/main" xmlns:r="http://schemas.openxmlformats.org/officeDocument/2006/relationships" xmlns:p="http://schemas.openxmlformats.org/presentationml/2006/main">
+  <p:cSld>
+    <p:bg>
+      <p:bgPr>
+        <a:solidFill>
+          <a:srgbClr val="292A2E"/>
+        </a:solidFill>
+        <a:effectLst/>
+      </p:bgPr>
+    </p:bg>
+    <p:spTree>
+      <p:nvGrpSpPr>
+        <p:cNvPr id="1" name=""/>
+        <p:cNvGrpSpPr/>
+        <p:nvPr/>
+      </p:nvGrpSpPr>
+      <p:grpSpPr>
+        <a:xfrm>
+          <a:off x="0" y="0"/>
+          <a:ext cx="0" cy="0"/>
+          <a:chOff x="0" y="0"/>
+          <a:chExt cx="0" cy="0"/>
+        </a:xfrm>
+      </p:grpSpPr>
+      <p:sp>
+        <p:nvSpPr>
+          <p:cNvPr id="12" name="직사각형 11"/>
+          <p:cNvSpPr/>
+          <p:nvPr/>
+        </p:nvSpPr>
+        <p:spPr>
+          <a:xfrm>
+            <a:off x="3727056" y="2996952"/>
+            <a:ext cx="2451888" cy="574581"/>
+          </a:xfrm>
+          <a:prstGeom prst="rect">
+            <a:avLst/>
+          </a:prstGeom>
+        </p:spPr>
+        <p:txBody>
+          <a:bodyPr wrap="square" anchor="b">
+            <a:spAutoFit/>
+          </a:bodyPr>
+          <a:lstStyle/>
+          <a:p>
+            <a:pPr algn="ctr">
+              <a:lnSpc>
+                <a:spcPct val="125000"/>
+              </a:lnSpc>
+            </a:pPr>
+            <a:r>
+              <a:rPr lang="ko-KR" altLang="en-US" sz="2800" b="1" dirty="0" smtClean="0">
+                <a:solidFill>
+                  <a:schemeClr val="bg1"/>
+                </a:solidFill>
+              </a:rPr>
+              <a:t>감사합니다</a:t>
+            </a:r>
+            <a:endParaRPr lang="ko-KR" altLang="en-US" sz="2800" b="1" dirty="0">
+              <a:solidFill>
+                <a:schemeClr val="bg1"/>
+              </a:solidFill>
+            </a:endParaRPr>
+          </a:p>
+        </p:txBody>
+      </p:sp>
+    </p:spTree>
+    <p:extLst>
+      <p:ext uri="{BB962C8B-B14F-4D97-AF65-F5344CB8AC3E}">
+        <p14:creationId xmlns:p14="http://schemas.microsoft.com/office/powerpoint/2010/main" val="425988475"/>
+      </p:ext>
+    </p:extLst>
+  </p:cSld>
+  <p:clrMapOvr>
+    <a:overrideClrMapping bg1="lt1" tx1="dk1" bg2="lt2" tx2="dk2" accent1="accent1" accent2="accent2" accent3="accent3" accent4="accent4" accent5="accent5" accent6="accent6" hlink="hlink" folHlink="folHlink"/>
+  </p:clrMapOvr>
+  <p:timing>
+    <p:tnLst>
+      <p:par>
+        <p:cTn id="1" dur="indefinite" restart="never" nodeType="tmRoot"/>
+      </p:par>
+    </p:tnLst>
+  </p:timing>
+</p:sld>
+</file>
+
 <file path=ppt/slides/slide2.xml><?xml version="1.0" encoding="utf-8"?>
 <p:sld xmlns:a="http://schemas.openxmlformats.org/drawingml/2006/main" xmlns:r="http://schemas.openxmlformats.org/officeDocument/2006/relationships" xmlns:p="http://schemas.openxmlformats.org/presentationml/2006/main">
   <p:cSld>
@@ -1533,12 +1623,12 @@
             <p:nvPr/>
           </p:nvPicPr>
           <p:blipFill rotWithShape="1">
-            <a:blip r:embed="rId3">
+            <a:blip r:embed="rId2">
               <a:grayscl/>
               <a:extLst>
                 <a:ext uri="{BEBA8EAE-BF5A-486C-A8C5-ECC9F3942E4B}">
                   <a14:imgProps xmlns:a14="http://schemas.microsoft.com/office/drawing/2010/main">
-                    <a14:imgLayer r:embed="rId4">
+                    <a14:imgLayer r:embed="rId3">
                       <a14:imgEffect>
                         <a14:brightnessContrast bright="-89000" contrast="-52000"/>
                       </a14:imgEffect>
@@ -2622,7 +2712,7 @@
           </p:cNvPicPr>
           <p:nvPr/>
         </p:nvPicPr>
-        <p:blipFill>
+        <p:blipFill rotWithShape="1">
           <a:blip r:embed="rId2">
             <a:extLst>
               <a:ext uri="{28A0092B-C50C-407E-A947-70E740481C1C}">
@@ -2630,14 +2720,13 @@
               </a:ext>
             </a:extLst>
           </a:blip>
-          <a:stretch>
-            <a:fillRect/>
-          </a:stretch>
+          <a:srcRect b="25971"/>
+          <a:stretch/>
         </p:blipFill>
         <p:spPr>
           <a:xfrm>
-            <a:off x="5745088" y="1052736"/>
-            <a:ext cx="3456384" cy="7841903"/>
+            <a:off x="5745088" y="1052737"/>
+            <a:ext cx="3456384" cy="5805264"/>
           </a:xfrm>
           <a:prstGeom prst="rect">
             <a:avLst/>
@@ -3026,7 +3115,7 @@
             <p:nvPr/>
           </p:nvPicPr>
           <p:blipFill rotWithShape="1">
-            <a:blip r:embed="rId3">
+            <a:blip r:embed="rId2">
               <a:extLst>
                 <a:ext uri="{28A0092B-C50C-407E-A947-70E740481C1C}">
                   <a14:useLocalDpi xmlns:a14="http://schemas.microsoft.com/office/drawing/2010/main" val="0"/>
@@ -3113,7 +3202,7 @@
             <p:nvPr/>
           </p:nvPicPr>
           <p:blipFill rotWithShape="1">
-            <a:blip r:embed="rId4">
+            <a:blip r:embed="rId3">
               <a:extLst>
                 <a:ext uri="{28A0092B-C50C-407E-A947-70E740481C1C}">
                   <a14:useLocalDpi xmlns:a14="http://schemas.microsoft.com/office/drawing/2010/main" val="0"/>
@@ -3485,7 +3574,7 @@
             <p:nvPr/>
           </p:nvPicPr>
           <p:blipFill rotWithShape="1">
-            <a:blip r:embed="rId3">
+            <a:blip r:embed="rId2">
               <a:extLst>
                 <a:ext uri="{28A0092B-C50C-407E-A947-70E740481C1C}">
                   <a14:useLocalDpi xmlns:a14="http://schemas.microsoft.com/office/drawing/2010/main" val="0"/>
@@ -3572,7 +3661,7 @@
             <p:nvPr/>
           </p:nvPicPr>
           <p:blipFill rotWithShape="1">
-            <a:blip r:embed="rId4">
+            <a:blip r:embed="rId3">
               <a:extLst>
                 <a:ext uri="{28A0092B-C50C-407E-A947-70E740481C1C}">
                   <a14:useLocalDpi xmlns:a14="http://schemas.microsoft.com/office/drawing/2010/main" val="0"/>
@@ -3966,16 +4055,312 @@
           <a:chExt cx="0" cy="0"/>
         </a:xfrm>
       </p:grpSpPr>
+      <p:graphicFrame>
+        <p:nvGraphicFramePr>
+          <p:cNvPr id="2" name="표 1"/>
+          <p:cNvGraphicFramePr>
+            <a:graphicFrameLocks noGrp="1"/>
+          </p:cNvGraphicFramePr>
+          <p:nvPr>
+            <p:extLst>
+              <p:ext uri="{D42A27DB-BD31-4B8C-83A1-F6EECF244321}">
+                <p14:modId xmlns:p14="http://schemas.microsoft.com/office/powerpoint/2010/main" val="1033343350"/>
+              </p:ext>
+            </p:extLst>
+          </p:nvPr>
+        </p:nvGraphicFramePr>
+        <p:xfrm>
+          <a:off x="1143000" y="2228851"/>
+          <a:ext cx="7620000" cy="3673504"/>
+        </p:xfrm>
+        <a:graphic>
+          <a:graphicData uri="http://schemas.openxmlformats.org/drawingml/2006/table">
+            <a:tbl>
+              <a:tblPr firstRow="1" bandRow="1">
+                <a:tableStyleId>{B301B821-A1FF-4177-AEE7-76D212191A09}</a:tableStyleId>
+              </a:tblPr>
+              <a:tblGrid>
+                <a:gridCol w="2474536"/>
+                <a:gridCol w="5145464"/>
+              </a:tblGrid>
+              <a:tr h="408466">
+                <a:tc>
+                  <a:txBody>
+                    <a:bodyPr/>
+                    <a:lstStyle/>
+                    <a:p>
+                      <a:pPr algn="ctr" latinLnBrk="1"/>
+                      <a:r>
+                        <a:rPr lang="ko-KR" altLang="en-US" sz="2000" dirty="0" smtClean="0"/>
+                        <a:t>구분</a:t>
+                      </a:r>
+                      <a:endParaRPr lang="ko-KR" altLang="en-US" sz="2000" dirty="0"/>
+                    </a:p>
+                  </a:txBody>
+                  <a:tcPr>
+                    <a:solidFill>
+                      <a:srgbClr val="AA8A2A"/>
+                    </a:solidFill>
+                  </a:tcPr>
+                </a:tc>
+                <a:tc>
+                  <a:txBody>
+                    <a:bodyPr/>
+                    <a:lstStyle/>
+                    <a:p>
+                      <a:pPr algn="ctr" latinLnBrk="1"/>
+                      <a:r>
+                        <a:rPr lang="ko-KR" altLang="en-US" sz="2000" dirty="0" smtClean="0"/>
+                        <a:t>내용</a:t>
+                      </a:r>
+                      <a:endParaRPr lang="ko-KR" altLang="en-US" sz="2000" dirty="0"/>
+                    </a:p>
+                  </a:txBody>
+                  <a:tcPr>
+                    <a:solidFill>
+                      <a:srgbClr val="AA8A2A"/>
+                    </a:solidFill>
+                  </a:tcPr>
+                </a:tc>
+              </a:tr>
+              <a:tr h="503685">
+                <a:tc>
+                  <a:txBody>
+                    <a:bodyPr/>
+                    <a:lstStyle/>
+                    <a:p>
+                      <a:pPr latinLnBrk="1">
+                        <a:lnSpc>
+                          <a:spcPct val="125000"/>
+                        </a:lnSpc>
+                      </a:pPr>
+                      <a:r>
+                        <a:rPr lang="ko-KR" altLang="en-US" sz="2000" dirty="0" smtClean="0"/>
+                        <a:t>언어</a:t>
+                      </a:r>
+                      <a:endParaRPr lang="ko-KR" altLang="en-US" sz="2000" dirty="0"/>
+                    </a:p>
+                  </a:txBody>
+                  <a:tcPr marT="72000" marB="36000"/>
+                </a:tc>
+                <a:tc>
+                  <a:txBody>
+                    <a:bodyPr/>
+                    <a:lstStyle/>
+                    <a:p>
+                      <a:pPr latinLnBrk="1">
+                        <a:lnSpc>
+                          <a:spcPct val="125000"/>
+                        </a:lnSpc>
+                      </a:pPr>
+                      <a:r>
+                        <a:rPr lang="en-US" altLang="ko-KR" sz="2000" dirty="0" smtClean="0"/>
+                        <a:t>C#</a:t>
+                      </a:r>
+                      <a:endParaRPr lang="ko-KR" altLang="en-US" sz="2000" dirty="0"/>
+                    </a:p>
+                  </a:txBody>
+                  <a:tcPr marL="180000" marT="72000" marB="72000"/>
+                </a:tc>
+              </a:tr>
+              <a:tr h="886622">
+                <a:tc>
+                  <a:txBody>
+                    <a:bodyPr/>
+                    <a:lstStyle/>
+                    <a:p>
+                      <a:pPr latinLnBrk="1">
+                        <a:lnSpc>
+                          <a:spcPct val="125000"/>
+                        </a:lnSpc>
+                      </a:pPr>
+                      <a:r>
+                        <a:rPr lang="ko-KR" altLang="en-US" sz="2000" dirty="0" smtClean="0"/>
+                        <a:t>사용 프로그램</a:t>
+                      </a:r>
+                      <a:endParaRPr lang="ko-KR" altLang="en-US" sz="2000" dirty="0"/>
+                    </a:p>
+                  </a:txBody>
+                  <a:tcPr marT="72000" marB="36000"/>
+                </a:tc>
+                <a:tc>
+                  <a:txBody>
+                    <a:bodyPr/>
+                    <a:lstStyle/>
+                    <a:p>
+                      <a:pPr marL="0" marR="0" indent="0" algn="l" defTabSz="1072866" rtl="0" eaLnBrk="1" fontAlgn="auto" latinLnBrk="1" hangingPunct="1">
+                        <a:lnSpc>
+                          <a:spcPct val="125000"/>
+                        </a:lnSpc>
+                        <a:spcBef>
+                          <a:spcPts val="0"/>
+                        </a:spcBef>
+                        <a:spcAft>
+                          <a:spcPts val="0"/>
+                        </a:spcAft>
+                        <a:buClrTx/>
+                        <a:buSzTx/>
+                        <a:buFontTx/>
+                        <a:buNone/>
+                        <a:tabLst/>
+                        <a:defRPr/>
+                      </a:pPr>
+                      <a:r>
+                        <a:rPr lang="en-US" altLang="ko-KR" sz="2000" dirty="0" err="1" smtClean="0"/>
+                        <a:t>vsStudio</a:t>
+                      </a:r>
+                      <a:r>
+                        <a:rPr lang="en-US" altLang="ko-KR" sz="2000" dirty="0" smtClean="0"/>
+                        <a:t/>
+                      </a:r>
+                      <a:br>
+                        <a:rPr lang="en-US" altLang="ko-KR" sz="2000" dirty="0" smtClean="0"/>
+                      </a:br>
+                      <a:r>
+                        <a:rPr lang="en-US" altLang="ko-KR" sz="2000" dirty="0" err="1" smtClean="0"/>
+                        <a:t>winform.Net</a:t>
+                      </a:r>
+                      <a:r>
+                        <a:rPr lang="en-US" altLang="ko-KR" sz="2000" dirty="0" smtClean="0"/>
+                        <a:t> </a:t>
+                      </a:r>
+                      <a:r>
+                        <a:rPr lang="en-US" altLang="ko-KR" sz="2000" dirty="0" err="1" smtClean="0"/>
+                        <a:t>FrameWork</a:t>
+                      </a:r>
+                      <a:endParaRPr lang="en-US" altLang="ko-KR" sz="2000" dirty="0" smtClean="0"/>
+                    </a:p>
+                  </a:txBody>
+                  <a:tcPr marL="180000" marT="72000" marB="72000"/>
+                </a:tc>
+              </a:tr>
+              <a:tr h="1874731">
+                <a:tc>
+                  <a:txBody>
+                    <a:bodyPr/>
+                    <a:lstStyle/>
+                    <a:p>
+                      <a:pPr latinLnBrk="1">
+                        <a:lnSpc>
+                          <a:spcPct val="125000"/>
+                        </a:lnSpc>
+                      </a:pPr>
+                      <a:r>
+                        <a:rPr lang="ko-KR" altLang="en-US" sz="2000" dirty="0" smtClean="0"/>
+                        <a:t>구현기능</a:t>
+                      </a:r>
+                      <a:endParaRPr lang="ko-KR" altLang="en-US" sz="2000" dirty="0"/>
+                    </a:p>
+                  </a:txBody>
+                  <a:tcPr marT="72000" marB="144000"/>
+                </a:tc>
+                <a:tc>
+                  <a:txBody>
+                    <a:bodyPr/>
+                    <a:lstStyle/>
+                    <a:p>
+                      <a:pPr marL="177800" indent="-177800" latinLnBrk="1">
+                        <a:lnSpc>
+                          <a:spcPct val="125000"/>
+                        </a:lnSpc>
+                        <a:spcAft>
+                          <a:spcPts val="500"/>
+                        </a:spcAft>
+                        <a:buFont typeface="Arial" panose="020B0604020202020204" pitchFamily="34" charset="0"/>
+                        <a:buChar char="•"/>
+                      </a:pPr>
+                      <a:r>
+                        <a:rPr lang="ko-KR" altLang="en-US" sz="2000" dirty="0" err="1" smtClean="0"/>
+                        <a:t>메뉴바</a:t>
+                      </a:r>
+                      <a:r>
+                        <a:rPr lang="ko-KR" altLang="en-US" sz="2000" dirty="0" smtClean="0"/>
+                        <a:t> 드래그 시 화면에서 이동</a:t>
+                      </a:r>
+                    </a:p>
+                    <a:p>
+                      <a:pPr marL="177800" indent="-177800" latinLnBrk="1">
+                        <a:lnSpc>
+                          <a:spcPct val="125000"/>
+                        </a:lnSpc>
+                        <a:spcAft>
+                          <a:spcPts val="500"/>
+                        </a:spcAft>
+                        <a:buFont typeface="Arial" panose="020B0604020202020204" pitchFamily="34" charset="0"/>
+                        <a:buChar char="•"/>
+                      </a:pPr>
+                      <a:r>
+                        <a:rPr lang="ko-KR" altLang="en-US" sz="2000" dirty="0" smtClean="0"/>
+                        <a:t>윈도우 화면 중앙에 </a:t>
+                      </a:r>
+                      <a:r>
+                        <a:rPr lang="ko-KR" altLang="en-US" sz="2000" dirty="0" err="1" smtClean="0"/>
+                        <a:t>뜨게하기</a:t>
+                      </a:r>
+                      <a:endParaRPr lang="ko-KR" altLang="en-US" sz="2000" dirty="0" smtClean="0"/>
+                    </a:p>
+                    <a:p>
+                      <a:pPr marL="177800" indent="-177800" latinLnBrk="1">
+                        <a:lnSpc>
+                          <a:spcPct val="125000"/>
+                        </a:lnSpc>
+                        <a:spcAft>
+                          <a:spcPts val="500"/>
+                        </a:spcAft>
+                        <a:buFont typeface="Arial" panose="020B0604020202020204" pitchFamily="34" charset="0"/>
+                        <a:buChar char="•"/>
+                      </a:pPr>
+                      <a:r>
+                        <a:rPr lang="ko-KR" altLang="en-US" sz="2000" dirty="0" smtClean="0"/>
+                        <a:t>좌측 메뉴버튼 </a:t>
+                      </a:r>
+                      <a:r>
+                        <a:rPr lang="ko-KR" altLang="en-US" sz="2000" dirty="0" err="1" smtClean="0"/>
+                        <a:t>클릭시</a:t>
+                      </a:r>
+                      <a:r>
+                        <a:rPr lang="ko-KR" altLang="en-US" sz="2000" dirty="0" smtClean="0"/>
+                        <a:t> </a:t>
+                      </a:r>
+                      <a:r>
+                        <a:rPr lang="ko-KR" altLang="en-US" sz="2000" dirty="0" err="1" smtClean="0"/>
+                        <a:t>우측판넬</a:t>
+                      </a:r>
+                      <a:r>
+                        <a:rPr lang="ko-KR" altLang="en-US" sz="2000" dirty="0" smtClean="0"/>
+                        <a:t> </a:t>
+                      </a:r>
+                      <a:r>
+                        <a:rPr lang="en-US" altLang="ko-KR" sz="2000" dirty="0" smtClean="0"/>
+                        <a:t/>
+                      </a:r>
+                      <a:br>
+                        <a:rPr lang="en-US" altLang="ko-KR" sz="2000" dirty="0" smtClean="0"/>
+                      </a:br>
+                      <a:r>
+                        <a:rPr lang="ko-KR" altLang="en-US" sz="2000" dirty="0" smtClean="0"/>
+                        <a:t>이미지 변경</a:t>
+                      </a:r>
+                      <a:endParaRPr lang="ko-KR" altLang="en-US" sz="2000" dirty="0"/>
+                    </a:p>
+                  </a:txBody>
+                  <a:tcPr marL="180000" marT="72000" marB="144000"/>
+                </a:tc>
+              </a:tr>
+            </a:tbl>
+          </a:graphicData>
+        </a:graphic>
+      </p:graphicFrame>
       <p:sp>
         <p:nvSpPr>
-          <p:cNvPr id="12" name="직사각형 11"/>
+          <p:cNvPr id="8" name="직사각형 7"/>
           <p:cNvSpPr/>
           <p:nvPr/>
         </p:nvSpPr>
         <p:spPr>
           <a:xfrm>
-            <a:off x="3727056" y="2996952"/>
-            <a:ext cx="2451888" cy="574581"/>
+            <a:off x="2072680" y="908720"/>
+            <a:ext cx="5760640" cy="630942"/>
           </a:xfrm>
           <a:prstGeom prst="rect">
             <a:avLst/>
@@ -3993,12 +4378,20 @@
               </a:lnSpc>
             </a:pPr>
             <a:r>
+              <a:rPr lang="en-US" altLang="ko-KR" sz="2800" b="1" dirty="0" smtClean="0">
+                <a:solidFill>
+                  <a:schemeClr val="bg1"/>
+                </a:solidFill>
+              </a:rPr>
+              <a:t>2. </a:t>
+            </a:r>
+            <a:r>
               <a:rPr lang="ko-KR" altLang="en-US" sz="2800" b="1" dirty="0" smtClean="0">
                 <a:solidFill>
                   <a:schemeClr val="bg1"/>
                 </a:solidFill>
               </a:rPr>
-              <a:t>감사합니다</a:t>
+              <a:t>프로그램 구현 내용</a:t>
             </a:r>
             <a:endParaRPr lang="ko-KR" altLang="en-US" sz="2800" b="1" dirty="0">
               <a:solidFill>
@@ -4011,7 +4404,1786 @@
     </p:spTree>
     <p:extLst>
       <p:ext uri="{BB962C8B-B14F-4D97-AF65-F5344CB8AC3E}">
-        <p14:creationId xmlns:p14="http://schemas.microsoft.com/office/powerpoint/2010/main" val="425988475"/>
+        <p14:creationId xmlns:p14="http://schemas.microsoft.com/office/powerpoint/2010/main" val="1505764915"/>
+      </p:ext>
+    </p:extLst>
+  </p:cSld>
+  <p:clrMapOvr>
+    <a:overrideClrMapping bg1="lt1" tx1="dk1" bg2="lt2" tx2="dk2" accent1="accent1" accent2="accent2" accent3="accent3" accent4="accent4" accent5="accent5" accent6="accent6" hlink="hlink" folHlink="folHlink"/>
+  </p:clrMapOvr>
+  <p:timing>
+    <p:tnLst>
+      <p:par>
+        <p:cTn id="1" dur="indefinite" restart="never" nodeType="tmRoot"/>
+      </p:par>
+    </p:tnLst>
+  </p:timing>
+</p:sld>
+</file>
+
+<file path=ppt/slides/slide7.xml><?xml version="1.0" encoding="utf-8"?>
+<p:sld xmlns:a="http://schemas.openxmlformats.org/drawingml/2006/main" xmlns:r="http://schemas.openxmlformats.org/officeDocument/2006/relationships" xmlns:p="http://schemas.openxmlformats.org/presentationml/2006/main">
+  <p:cSld>
+    <p:bg>
+      <p:bgPr>
+        <a:solidFill>
+          <a:srgbClr val="292A2E"/>
+        </a:solidFill>
+        <a:effectLst/>
+      </p:bgPr>
+    </p:bg>
+    <p:spTree>
+      <p:nvGrpSpPr>
+        <p:cNvPr id="1" name=""/>
+        <p:cNvGrpSpPr/>
+        <p:nvPr/>
+      </p:nvGrpSpPr>
+      <p:grpSpPr>
+        <a:xfrm>
+          <a:off x="0" y="0"/>
+          <a:ext cx="0" cy="0"/>
+          <a:chOff x="0" y="0"/>
+          <a:chExt cx="0" cy="0"/>
+        </a:xfrm>
+      </p:grpSpPr>
+      <p:graphicFrame>
+        <p:nvGraphicFramePr>
+          <p:cNvPr id="2" name="표 1"/>
+          <p:cNvGraphicFramePr>
+            <a:graphicFrameLocks noGrp="1"/>
+          </p:cNvGraphicFramePr>
+          <p:nvPr>
+            <p:extLst>
+              <p:ext uri="{D42A27DB-BD31-4B8C-83A1-F6EECF244321}">
+                <p14:modId xmlns:p14="http://schemas.microsoft.com/office/powerpoint/2010/main" val="383004070"/>
+              </p:ext>
+            </p:extLst>
+          </p:nvPr>
+        </p:nvGraphicFramePr>
+        <p:xfrm>
+          <a:off x="1143000" y="2135715"/>
+          <a:ext cx="7620000" cy="3766640"/>
+        </p:xfrm>
+        <a:graphic>
+          <a:graphicData uri="http://schemas.openxmlformats.org/drawingml/2006/table">
+            <a:tbl>
+              <a:tblPr firstRow="1" bandRow="1">
+                <a:tableStyleId>{1E171933-4619-4E11-9A3F-F7608DF75F80}</a:tableStyleId>
+              </a:tblPr>
+              <a:tblGrid>
+                <a:gridCol w="1477108"/>
+                <a:gridCol w="4709156"/>
+                <a:gridCol w="1433736"/>
+              </a:tblGrid>
+              <a:tr h="0">
+                <a:tc>
+                  <a:txBody>
+                    <a:bodyPr/>
+                    <a:lstStyle/>
+                    <a:p>
+                      <a:pPr algn="ctr" latinLnBrk="1"/>
+                      <a:r>
+                        <a:rPr lang="ko-KR" altLang="en-US" sz="1800" dirty="0" smtClean="0"/>
+                        <a:t>구분</a:t>
+                      </a:r>
+                      <a:endParaRPr lang="ko-KR" altLang="en-US" sz="1800" dirty="0"/>
+                    </a:p>
+                  </a:txBody>
+                  <a:tcPr/>
+                </a:tc>
+                <a:tc>
+                  <a:txBody>
+                    <a:bodyPr/>
+                    <a:lstStyle/>
+                    <a:p>
+                      <a:pPr algn="ctr" latinLnBrk="1"/>
+                      <a:r>
+                        <a:rPr lang="ko-KR" altLang="en-US" sz="1800" dirty="0" smtClean="0"/>
+                        <a:t>내용</a:t>
+                      </a:r>
+                      <a:endParaRPr lang="ko-KR" altLang="en-US" sz="1800" dirty="0"/>
+                    </a:p>
+                  </a:txBody>
+                  <a:tcPr/>
+                </a:tc>
+                <a:tc>
+                  <a:txBody>
+                    <a:bodyPr/>
+                    <a:lstStyle/>
+                    <a:p>
+                      <a:pPr algn="ctr" latinLnBrk="1"/>
+                      <a:r>
+                        <a:rPr lang="ko-KR" altLang="en-US" sz="1800" dirty="0" smtClean="0"/>
+                        <a:t>결과</a:t>
+                      </a:r>
+                      <a:endParaRPr lang="ko-KR" altLang="en-US" sz="1800" dirty="0"/>
+                    </a:p>
+                  </a:txBody>
+                  <a:tcPr/>
+                </a:tc>
+              </a:tr>
+              <a:tr h="425110">
+                <a:tc rowSpan="2">
+                  <a:txBody>
+                    <a:bodyPr/>
+                    <a:lstStyle/>
+                    <a:p>
+                      <a:pPr algn="ctr" latinLnBrk="1">
+                        <a:lnSpc>
+                          <a:spcPct val="125000"/>
+                        </a:lnSpc>
+                      </a:pPr>
+                      <a:r>
+                        <a:rPr lang="en-US" altLang="ko-KR" sz="1400" dirty="0" smtClean="0"/>
+                        <a:t>1. </a:t>
+                      </a:r>
+                      <a:r>
+                        <a:rPr lang="ko-KR" altLang="en-US" sz="1400" dirty="0" smtClean="0"/>
+                        <a:t>화면구현</a:t>
+                      </a:r>
+                      <a:endParaRPr lang="ko-KR" altLang="en-US" sz="1400" dirty="0"/>
+                    </a:p>
+                  </a:txBody>
+                  <a:tcPr marT="72000" marB="72000" anchor="ctr"/>
+                </a:tc>
+                <a:tc>
+                  <a:txBody>
+                    <a:bodyPr/>
+                    <a:lstStyle/>
+                    <a:p>
+                      <a:pPr latinLnBrk="1">
+                        <a:lnSpc>
+                          <a:spcPct val="125000"/>
+                        </a:lnSpc>
+                      </a:pPr>
+                      <a:r>
+                        <a:rPr lang="ko-KR" altLang="en-US" sz="1400" dirty="0" err="1" smtClean="0"/>
+                        <a:t>윈폼이</a:t>
+                      </a:r>
+                      <a:r>
+                        <a:rPr lang="ko-KR" altLang="en-US" sz="1400" dirty="0" smtClean="0"/>
+                        <a:t> 윈도우 중앙에 켜지는가</a:t>
+                      </a:r>
+                      <a:r>
+                        <a:rPr lang="en-US" altLang="ko-KR" sz="1400" dirty="0" smtClean="0"/>
+                        <a:t>?</a:t>
+                      </a:r>
+                      <a:endParaRPr lang="ko-KR" altLang="en-US" sz="1400" dirty="0"/>
+                    </a:p>
+                  </a:txBody>
+                  <a:tcPr marL="180000" marT="72000" marB="72000"/>
+                </a:tc>
+                <a:tc>
+                  <a:txBody>
+                    <a:bodyPr/>
+                    <a:lstStyle/>
+                    <a:p>
+                      <a:pPr algn="ctr" latinLnBrk="1">
+                        <a:lnSpc>
+                          <a:spcPct val="125000"/>
+                        </a:lnSpc>
+                      </a:pPr>
+                      <a:r>
+                        <a:rPr lang="en-US" altLang="ko-KR" sz="1400" dirty="0" smtClean="0"/>
+                        <a:t>O</a:t>
+                      </a:r>
+                      <a:endParaRPr lang="ko-KR" altLang="en-US" sz="1400" dirty="0"/>
+                    </a:p>
+                  </a:txBody>
+                  <a:tcPr marL="180000" marT="72000" marB="72000" anchor="ctr"/>
+                </a:tc>
+              </a:tr>
+              <a:tr h="425110">
+                <a:tc vMerge="1">
+                  <a:txBody>
+                    <a:bodyPr/>
+                    <a:lstStyle/>
+                    <a:p>
+                      <a:pPr algn="ctr" latinLnBrk="1">
+                        <a:lnSpc>
+                          <a:spcPct val="125000"/>
+                        </a:lnSpc>
+                      </a:pPr>
+                      <a:endParaRPr lang="ko-KR" altLang="en-US" sz="1600" dirty="0"/>
+                    </a:p>
+                  </a:txBody>
+                  <a:tcPr marT="72000" marB="36000" anchor="ctr"/>
+                </a:tc>
+                <a:tc>
+                  <a:txBody>
+                    <a:bodyPr/>
+                    <a:lstStyle/>
+                    <a:p>
+                      <a:pPr latinLnBrk="1">
+                        <a:lnSpc>
+                          <a:spcPct val="125000"/>
+                        </a:lnSpc>
+                      </a:pPr>
+                      <a:r>
+                        <a:rPr lang="ko-KR" altLang="en-US" sz="1400" dirty="0" smtClean="0"/>
+                        <a:t>메인 이미지가 첫 시작화면에 뜨는가</a:t>
+                      </a:r>
+                      <a:r>
+                        <a:rPr lang="en-US" altLang="ko-KR" sz="1400" dirty="0" smtClean="0"/>
+                        <a:t>?</a:t>
+                      </a:r>
+                      <a:endParaRPr lang="ko-KR" altLang="en-US" sz="1400" dirty="0"/>
+                    </a:p>
+                  </a:txBody>
+                  <a:tcPr marL="180000" marT="72000" marB="72000"/>
+                </a:tc>
+                <a:tc>
+                  <a:txBody>
+                    <a:bodyPr/>
+                    <a:lstStyle/>
+                    <a:p>
+                      <a:pPr marL="0" marR="0" indent="0" algn="ctr" defTabSz="1072866" rtl="0" eaLnBrk="1" fontAlgn="auto" latinLnBrk="1" hangingPunct="1">
+                        <a:lnSpc>
+                          <a:spcPct val="125000"/>
+                        </a:lnSpc>
+                        <a:spcBef>
+                          <a:spcPts val="0"/>
+                        </a:spcBef>
+                        <a:spcAft>
+                          <a:spcPts val="0"/>
+                        </a:spcAft>
+                        <a:buClrTx/>
+                        <a:buSzTx/>
+                        <a:buFontTx/>
+                        <a:buNone/>
+                        <a:tabLst/>
+                        <a:defRPr/>
+                      </a:pPr>
+                      <a:r>
+                        <a:rPr lang="en-US" altLang="ko-KR" sz="1400" dirty="0" smtClean="0"/>
+                        <a:t>X</a:t>
+                      </a:r>
+                    </a:p>
+                  </a:txBody>
+                  <a:tcPr marL="180000" marT="72000" marB="72000"/>
+                </a:tc>
+              </a:tr>
+              <a:tr h="425110">
+                <a:tc>
+                  <a:txBody>
+                    <a:bodyPr/>
+                    <a:lstStyle/>
+                    <a:p>
+                      <a:pPr algn="ctr" latinLnBrk="1">
+                        <a:lnSpc>
+                          <a:spcPct val="125000"/>
+                        </a:lnSpc>
+                      </a:pPr>
+                      <a:r>
+                        <a:rPr lang="en-US" altLang="ko-KR" sz="1400" dirty="0" smtClean="0"/>
+                        <a:t>2. </a:t>
+                      </a:r>
+                      <a:r>
+                        <a:rPr lang="ko-KR" altLang="en-US" sz="1400" dirty="0" err="1" smtClean="0"/>
+                        <a:t>메뉴바</a:t>
+                      </a:r>
+                      <a:r>
+                        <a:rPr lang="ko-KR" altLang="en-US" sz="1400" dirty="0" smtClean="0"/>
+                        <a:t> </a:t>
+                      </a:r>
+                      <a:endParaRPr lang="ko-KR" altLang="en-US" sz="1400" dirty="0"/>
+                    </a:p>
+                  </a:txBody>
+                  <a:tcPr marT="72000" marB="72000" anchor="ctr"/>
+                </a:tc>
+                <a:tc>
+                  <a:txBody>
+                    <a:bodyPr/>
+                    <a:lstStyle/>
+                    <a:p>
+                      <a:pPr marL="0" marR="0" indent="0" algn="l" defTabSz="1072866" rtl="0" eaLnBrk="1" fontAlgn="auto" latinLnBrk="1" hangingPunct="1">
+                        <a:lnSpc>
+                          <a:spcPct val="125000"/>
+                        </a:lnSpc>
+                        <a:spcBef>
+                          <a:spcPts val="0"/>
+                        </a:spcBef>
+                        <a:spcAft>
+                          <a:spcPts val="500"/>
+                        </a:spcAft>
+                        <a:buClrTx/>
+                        <a:buSzTx/>
+                        <a:buFont typeface="Arial" panose="020B0604020202020204" pitchFamily="34" charset="0"/>
+                        <a:buNone/>
+                        <a:tabLst/>
+                        <a:defRPr/>
+                      </a:pPr>
+                      <a:r>
+                        <a:rPr lang="ko-KR" altLang="en-US" sz="1400" dirty="0" err="1" smtClean="0"/>
+                        <a:t>메뉴바</a:t>
+                      </a:r>
+                      <a:r>
+                        <a:rPr lang="ko-KR" altLang="en-US" sz="1400" dirty="0" smtClean="0"/>
+                        <a:t> 드래그 시 화면에서 이동</a:t>
+                      </a:r>
+                      <a:endParaRPr lang="ko-KR" altLang="en-US" sz="1400" dirty="0"/>
+                    </a:p>
+                  </a:txBody>
+                  <a:tcPr marL="180000" marT="72000" marB="72000"/>
+                </a:tc>
+                <a:tc>
+                  <a:txBody>
+                    <a:bodyPr/>
+                    <a:lstStyle/>
+                    <a:p>
+                      <a:pPr algn="ctr" latinLnBrk="1">
+                        <a:lnSpc>
+                          <a:spcPct val="125000"/>
+                        </a:lnSpc>
+                      </a:pPr>
+                      <a:r>
+                        <a:rPr lang="en-US" altLang="ko-KR" sz="1400" dirty="0" smtClean="0"/>
+                        <a:t>O</a:t>
+                      </a:r>
+                      <a:endParaRPr lang="ko-KR" altLang="en-US" sz="1400" dirty="0"/>
+                    </a:p>
+                  </a:txBody>
+                  <a:tcPr marL="180000" marT="72000" marB="72000"/>
+                </a:tc>
+              </a:tr>
+              <a:tr h="425110">
+                <a:tc rowSpan="5">
+                  <a:txBody>
+                    <a:bodyPr/>
+                    <a:lstStyle/>
+                    <a:p>
+                      <a:pPr algn="ctr" latinLnBrk="1">
+                        <a:lnSpc>
+                          <a:spcPct val="125000"/>
+                        </a:lnSpc>
+                      </a:pPr>
+                      <a:r>
+                        <a:rPr lang="en-US" altLang="ko-KR" sz="1400" dirty="0" smtClean="0"/>
+                        <a:t>3. </a:t>
+                      </a:r>
+                      <a:r>
+                        <a:rPr lang="ko-KR" altLang="en-US" sz="1400" dirty="0" smtClean="0"/>
+                        <a:t>버튼동작</a:t>
+                      </a:r>
+                      <a:r>
+                        <a:rPr lang="en-US" altLang="ko-KR" sz="1400" dirty="0" smtClean="0"/>
+                        <a:t/>
+                      </a:r>
+                      <a:br>
+                        <a:rPr lang="en-US" altLang="ko-KR" sz="1400" dirty="0" smtClean="0"/>
+                      </a:br>
+                      <a:r>
+                        <a:rPr lang="ko-KR" altLang="en-US" sz="1100" dirty="0" err="1" smtClean="0">
+                          <a:solidFill>
+                            <a:schemeClr val="bg1">
+                              <a:lumMod val="50000"/>
+                            </a:schemeClr>
+                          </a:solidFill>
+                        </a:rPr>
+                        <a:t>클릭시</a:t>
+                      </a:r>
+                      <a:r>
+                        <a:rPr lang="en-US" altLang="ko-KR" sz="1100" dirty="0" smtClean="0">
+                          <a:solidFill>
+                            <a:schemeClr val="bg1">
+                              <a:lumMod val="50000"/>
+                            </a:schemeClr>
+                          </a:solidFill>
+                        </a:rPr>
+                        <a:t/>
+                      </a:r>
+                      <a:br>
+                        <a:rPr lang="en-US" altLang="ko-KR" sz="1100" dirty="0" smtClean="0">
+                          <a:solidFill>
+                            <a:schemeClr val="bg1">
+                              <a:lumMod val="50000"/>
+                            </a:schemeClr>
+                          </a:solidFill>
+                        </a:rPr>
+                      </a:br>
+                      <a:r>
+                        <a:rPr lang="ko-KR" altLang="en-US" sz="1100" dirty="0" err="1" smtClean="0">
+                          <a:solidFill>
+                            <a:schemeClr val="bg1">
+                              <a:lumMod val="50000"/>
+                            </a:schemeClr>
+                          </a:solidFill>
+                        </a:rPr>
+                        <a:t>판넬이미지</a:t>
+                      </a:r>
+                      <a:r>
+                        <a:rPr lang="en-US" altLang="ko-KR" sz="1100" dirty="0" smtClean="0">
+                          <a:solidFill>
+                            <a:schemeClr val="bg1">
+                              <a:lumMod val="50000"/>
+                            </a:schemeClr>
+                          </a:solidFill>
+                        </a:rPr>
+                        <a:t/>
+                      </a:r>
+                      <a:br>
+                        <a:rPr lang="en-US" altLang="ko-KR" sz="1100" dirty="0" smtClean="0">
+                          <a:solidFill>
+                            <a:schemeClr val="bg1">
+                              <a:lumMod val="50000"/>
+                            </a:schemeClr>
+                          </a:solidFill>
+                        </a:rPr>
+                      </a:br>
+                      <a:r>
+                        <a:rPr lang="ko-KR" altLang="en-US" sz="1100" dirty="0" smtClean="0">
+                          <a:solidFill>
+                            <a:schemeClr val="bg1">
+                              <a:lumMod val="50000"/>
+                            </a:schemeClr>
+                          </a:solidFill>
+                        </a:rPr>
+                        <a:t>변경여부</a:t>
+                      </a:r>
+                      <a:endParaRPr lang="ko-KR" altLang="en-US" sz="1100" dirty="0">
+                        <a:solidFill>
+                          <a:schemeClr val="bg1">
+                            <a:lumMod val="50000"/>
+                          </a:schemeClr>
+                        </a:solidFill>
+                      </a:endParaRPr>
+                    </a:p>
+                  </a:txBody>
+                  <a:tcPr marT="72000" marB="72000" anchor="ctr"/>
+                </a:tc>
+                <a:tc>
+                  <a:txBody>
+                    <a:bodyPr/>
+                    <a:lstStyle/>
+                    <a:p>
+                      <a:pPr marL="0" marR="0" indent="0" algn="l" defTabSz="1072866" rtl="0" eaLnBrk="1" fontAlgn="auto" latinLnBrk="1" hangingPunct="1">
+                        <a:lnSpc>
+                          <a:spcPct val="125000"/>
+                        </a:lnSpc>
+                        <a:spcBef>
+                          <a:spcPts val="0"/>
+                        </a:spcBef>
+                        <a:spcAft>
+                          <a:spcPts val="500"/>
+                        </a:spcAft>
+                        <a:buClrTx/>
+                        <a:buSzTx/>
+                        <a:buFont typeface="+mj-lt"/>
+                        <a:buNone/>
+                        <a:tabLst/>
+                        <a:defRPr/>
+                      </a:pPr>
+                      <a:r>
+                        <a:rPr lang="en-US" altLang="ko-KR" sz="1400" baseline="0" dirty="0" smtClean="0"/>
+                        <a:t>1. </a:t>
+                      </a:r>
+                      <a:r>
+                        <a:rPr lang="ko-KR" altLang="en-US" sz="1400" baseline="0" dirty="0" err="1" smtClean="0"/>
+                        <a:t>이마트</a:t>
+                      </a:r>
+                      <a:r>
+                        <a:rPr lang="ko-KR" altLang="en-US" sz="1400" baseline="0" dirty="0" smtClean="0"/>
+                        <a:t>	</a:t>
+                      </a:r>
+                      <a:r>
+                        <a:rPr lang="en-US" altLang="ko-KR" sz="1400" baseline="0" dirty="0" smtClean="0"/>
+                        <a:t>: </a:t>
+                      </a:r>
+                      <a:r>
+                        <a:rPr lang="ko-KR" altLang="en-US" sz="1400" baseline="0" dirty="0" smtClean="0"/>
+                        <a:t>클릭 시 메인 이미지로 </a:t>
+                      </a:r>
+                      <a:r>
+                        <a:rPr lang="ko-KR" altLang="en-US" sz="1400" baseline="0" dirty="0" smtClean="0"/>
+                        <a:t>변경</a:t>
+                      </a:r>
+                      <a:endParaRPr lang="en-US" altLang="ko-KR" sz="1400" baseline="0" dirty="0" smtClean="0"/>
+                    </a:p>
+                  </a:txBody>
+                  <a:tcPr marL="180000" marT="72000" marB="72000"/>
+                </a:tc>
+                <a:tc>
+                  <a:txBody>
+                    <a:bodyPr/>
+                    <a:lstStyle/>
+                    <a:p>
+                      <a:pPr algn="ctr" latinLnBrk="1">
+                        <a:lnSpc>
+                          <a:spcPct val="125000"/>
+                        </a:lnSpc>
+                      </a:pPr>
+                      <a:r>
+                        <a:rPr lang="en-US" altLang="ko-KR" sz="1400" dirty="0" smtClean="0"/>
+                        <a:t>O</a:t>
+                      </a:r>
+                      <a:endParaRPr lang="ko-KR" altLang="en-US" sz="1400" dirty="0"/>
+                    </a:p>
+                  </a:txBody>
+                  <a:tcPr marL="180000" marT="72000" marB="72000"/>
+                </a:tc>
+              </a:tr>
+              <a:tr h="425110">
+                <a:tc vMerge="1">
+                  <a:txBody>
+                    <a:bodyPr/>
+                    <a:lstStyle/>
+                    <a:p>
+                      <a:pPr latinLnBrk="1">
+                        <a:lnSpc>
+                          <a:spcPct val="125000"/>
+                        </a:lnSpc>
+                      </a:pPr>
+                      <a:endParaRPr lang="ko-KR" altLang="en-US" sz="1800" dirty="0"/>
+                    </a:p>
+                  </a:txBody>
+                  <a:tcPr marT="72000" marB="144000"/>
+                </a:tc>
+                <a:tc>
+                  <a:txBody>
+                    <a:bodyPr/>
+                    <a:lstStyle/>
+                    <a:p>
+                      <a:pPr marL="0" marR="0" indent="0" algn="l" defTabSz="1072866" rtl="0" eaLnBrk="1" fontAlgn="auto" latinLnBrk="1" hangingPunct="1">
+                        <a:lnSpc>
+                          <a:spcPct val="125000"/>
+                        </a:lnSpc>
+                        <a:spcBef>
+                          <a:spcPts val="0"/>
+                        </a:spcBef>
+                        <a:spcAft>
+                          <a:spcPts val="500"/>
+                        </a:spcAft>
+                        <a:buClrTx/>
+                        <a:buSzTx/>
+                        <a:buFont typeface="Arial" panose="020B0604020202020204" pitchFamily="34" charset="0"/>
+                        <a:buNone/>
+                        <a:tabLst/>
+                        <a:defRPr/>
+                      </a:pPr>
+                      <a:r>
+                        <a:rPr lang="en-US" altLang="ko-KR" sz="1400" baseline="0" dirty="0" smtClean="0"/>
+                        <a:t>2. </a:t>
+                      </a:r>
+                      <a:r>
+                        <a:rPr lang="ko-KR" altLang="en-US" sz="1400" baseline="0" dirty="0" smtClean="0"/>
+                        <a:t>베스트	</a:t>
+                      </a:r>
+                      <a:r>
+                        <a:rPr lang="en-US" altLang="ko-KR" sz="1400" baseline="0" dirty="0" smtClean="0"/>
+                        <a:t>: </a:t>
+                      </a:r>
+                      <a:r>
+                        <a:rPr lang="ko-KR" altLang="en-US" sz="1400" baseline="0" dirty="0" smtClean="0"/>
+                        <a:t>클릭 시 해당 이미지로 변경</a:t>
+                      </a:r>
+                      <a:endParaRPr lang="ko-KR" altLang="en-US" sz="1400" dirty="0" smtClean="0"/>
+                    </a:p>
+                  </a:txBody>
+                  <a:tcPr marL="180000" marT="72000" marB="72000"/>
+                </a:tc>
+                <a:tc>
+                  <a:txBody>
+                    <a:bodyPr/>
+                    <a:lstStyle/>
+                    <a:p>
+                      <a:pPr marL="0" marR="0" indent="0" algn="ctr" defTabSz="1072866" rtl="0" eaLnBrk="1" fontAlgn="auto" latinLnBrk="1" hangingPunct="1">
+                        <a:lnSpc>
+                          <a:spcPct val="125000"/>
+                        </a:lnSpc>
+                        <a:spcBef>
+                          <a:spcPts val="0"/>
+                        </a:spcBef>
+                        <a:spcAft>
+                          <a:spcPts val="0"/>
+                        </a:spcAft>
+                        <a:buClrTx/>
+                        <a:buSzTx/>
+                        <a:buFontTx/>
+                        <a:buNone/>
+                        <a:tabLst/>
+                        <a:defRPr/>
+                      </a:pPr>
+                      <a:r>
+                        <a:rPr lang="en-US" altLang="ko-KR" sz="1400" dirty="0" smtClean="0"/>
+                        <a:t>O</a:t>
+                      </a:r>
+                      <a:endParaRPr lang="ko-KR" altLang="en-US" sz="1400" dirty="0" smtClean="0"/>
+                    </a:p>
+                  </a:txBody>
+                  <a:tcPr marL="180000" marT="72000" marB="72000"/>
+                </a:tc>
+              </a:tr>
+              <a:tr h="425110">
+                <a:tc vMerge="1">
+                  <a:txBody>
+                    <a:bodyPr/>
+                    <a:lstStyle/>
+                    <a:p>
+                      <a:pPr latinLnBrk="1"/>
+                      <a:endParaRPr lang="ko-KR" altLang="en-US"/>
+                    </a:p>
+                  </a:txBody>
+                  <a:tcPr/>
+                </a:tc>
+                <a:tc>
+                  <a:txBody>
+                    <a:bodyPr/>
+                    <a:lstStyle/>
+                    <a:p>
+                      <a:pPr marL="0" marR="0" indent="0" algn="l" defTabSz="1072866" rtl="0" eaLnBrk="1" fontAlgn="auto" latinLnBrk="1" hangingPunct="1">
+                        <a:lnSpc>
+                          <a:spcPct val="125000"/>
+                        </a:lnSpc>
+                        <a:spcBef>
+                          <a:spcPts val="0"/>
+                        </a:spcBef>
+                        <a:spcAft>
+                          <a:spcPts val="500"/>
+                        </a:spcAft>
+                        <a:buClrTx/>
+                        <a:buSzTx/>
+                        <a:buFont typeface="Arial" panose="020B0604020202020204" pitchFamily="34" charset="0"/>
+                        <a:buNone/>
+                        <a:tabLst/>
+                        <a:defRPr/>
+                      </a:pPr>
+                      <a:r>
+                        <a:rPr lang="en-US" altLang="ko-KR" sz="1400" baseline="0" dirty="0" smtClean="0"/>
+                        <a:t>3. </a:t>
+                      </a:r>
+                      <a:r>
+                        <a:rPr lang="ko-KR" altLang="en-US" sz="1400" baseline="0" dirty="0" err="1" smtClean="0"/>
+                        <a:t>세일중</a:t>
+                      </a:r>
+                      <a:r>
+                        <a:rPr lang="ko-KR" altLang="en-US" sz="1400" baseline="0" dirty="0" smtClean="0"/>
+                        <a:t>	</a:t>
+                      </a:r>
+                      <a:r>
+                        <a:rPr lang="en-US" altLang="ko-KR" sz="1400" baseline="0" dirty="0" smtClean="0"/>
+                        <a:t>: </a:t>
+                      </a:r>
+                      <a:r>
+                        <a:rPr lang="ko-KR" altLang="en-US" sz="1400" baseline="0" dirty="0" smtClean="0"/>
+                        <a:t>클릭 시 해당 이미지로 변경</a:t>
+                      </a:r>
+                      <a:endParaRPr lang="ko-KR" altLang="en-US" sz="1400" dirty="0" smtClean="0"/>
+                    </a:p>
+                  </a:txBody>
+                  <a:tcPr marL="180000" marT="72000" marB="72000"/>
+                </a:tc>
+                <a:tc>
+                  <a:txBody>
+                    <a:bodyPr/>
+                    <a:lstStyle/>
+                    <a:p>
+                      <a:pPr marL="0" marR="0" indent="0" algn="ctr" defTabSz="1072866" rtl="0" eaLnBrk="1" fontAlgn="auto" latinLnBrk="1" hangingPunct="1">
+                        <a:lnSpc>
+                          <a:spcPct val="125000"/>
+                        </a:lnSpc>
+                        <a:spcBef>
+                          <a:spcPts val="0"/>
+                        </a:spcBef>
+                        <a:spcAft>
+                          <a:spcPts val="0"/>
+                        </a:spcAft>
+                        <a:buClrTx/>
+                        <a:buSzTx/>
+                        <a:buFontTx/>
+                        <a:buNone/>
+                        <a:tabLst/>
+                        <a:defRPr/>
+                      </a:pPr>
+                      <a:r>
+                        <a:rPr lang="en-US" altLang="ko-KR" sz="1400" dirty="0" smtClean="0"/>
+                        <a:t>O</a:t>
+                      </a:r>
+                      <a:endParaRPr lang="ko-KR" altLang="en-US" sz="1400" dirty="0" smtClean="0"/>
+                    </a:p>
+                  </a:txBody>
+                  <a:tcPr marL="180000" marT="72000" marB="72000"/>
+                </a:tc>
+              </a:tr>
+              <a:tr h="425110">
+                <a:tc vMerge="1">
+                  <a:txBody>
+                    <a:bodyPr/>
+                    <a:lstStyle/>
+                    <a:p>
+                      <a:pPr latinLnBrk="1">
+                        <a:lnSpc>
+                          <a:spcPct val="125000"/>
+                        </a:lnSpc>
+                      </a:pPr>
+                      <a:endParaRPr lang="ko-KR" altLang="en-US" sz="1800" dirty="0"/>
+                    </a:p>
+                  </a:txBody>
+                  <a:tcPr marT="72000" marB="144000"/>
+                </a:tc>
+                <a:tc>
+                  <a:txBody>
+                    <a:bodyPr/>
+                    <a:lstStyle/>
+                    <a:p>
+                      <a:pPr marL="0" marR="0" indent="0" algn="l" defTabSz="1072866" rtl="0" eaLnBrk="1" fontAlgn="auto" latinLnBrk="1" hangingPunct="1">
+                        <a:lnSpc>
+                          <a:spcPct val="125000"/>
+                        </a:lnSpc>
+                        <a:spcBef>
+                          <a:spcPts val="0"/>
+                        </a:spcBef>
+                        <a:spcAft>
+                          <a:spcPts val="500"/>
+                        </a:spcAft>
+                        <a:buClrTx/>
+                        <a:buSzTx/>
+                        <a:buFont typeface="Arial" panose="020B0604020202020204" pitchFamily="34" charset="0"/>
+                        <a:buNone/>
+                        <a:tabLst/>
+                        <a:defRPr/>
+                      </a:pPr>
+                      <a:r>
+                        <a:rPr lang="en-US" altLang="ko-KR" sz="1400" baseline="0" dirty="0" smtClean="0"/>
+                        <a:t>4. </a:t>
+                      </a:r>
+                      <a:r>
+                        <a:rPr lang="ko-KR" altLang="en-US" sz="1400" baseline="0" dirty="0" smtClean="0"/>
+                        <a:t>위치	</a:t>
+                      </a:r>
+                      <a:r>
+                        <a:rPr lang="en-US" altLang="ko-KR" sz="1400" baseline="0" dirty="0" smtClean="0"/>
+                        <a:t>: </a:t>
+                      </a:r>
+                      <a:r>
+                        <a:rPr lang="ko-KR" altLang="en-US" sz="1400" baseline="0" dirty="0" smtClean="0"/>
+                        <a:t>클릭 시 해당 이미지로 변경</a:t>
+                      </a:r>
+                      <a:endParaRPr lang="ko-KR" altLang="en-US" sz="1400" dirty="0" smtClean="0"/>
+                    </a:p>
+                  </a:txBody>
+                  <a:tcPr marL="180000" marT="72000" marB="72000"/>
+                </a:tc>
+                <a:tc>
+                  <a:txBody>
+                    <a:bodyPr/>
+                    <a:lstStyle/>
+                    <a:p>
+                      <a:pPr marL="0" marR="0" indent="0" algn="ctr" defTabSz="1072866" rtl="0" eaLnBrk="1" fontAlgn="auto" latinLnBrk="1" hangingPunct="1">
+                        <a:lnSpc>
+                          <a:spcPct val="125000"/>
+                        </a:lnSpc>
+                        <a:spcBef>
+                          <a:spcPts val="0"/>
+                        </a:spcBef>
+                        <a:spcAft>
+                          <a:spcPts val="0"/>
+                        </a:spcAft>
+                        <a:buClrTx/>
+                        <a:buSzTx/>
+                        <a:buFontTx/>
+                        <a:buNone/>
+                        <a:tabLst/>
+                        <a:defRPr/>
+                      </a:pPr>
+                      <a:r>
+                        <a:rPr lang="en-US" altLang="ko-KR" sz="1400" dirty="0" smtClean="0"/>
+                        <a:t>O</a:t>
+                      </a:r>
+                      <a:endParaRPr lang="ko-KR" altLang="en-US" sz="1400" dirty="0" smtClean="0"/>
+                    </a:p>
+                  </a:txBody>
+                  <a:tcPr marL="180000" marT="72000" marB="72000"/>
+                </a:tc>
+              </a:tr>
+              <a:tr h="425110">
+                <a:tc vMerge="1">
+                  <a:txBody>
+                    <a:bodyPr/>
+                    <a:lstStyle/>
+                    <a:p>
+                      <a:pPr latinLnBrk="1"/>
+                      <a:endParaRPr lang="ko-KR" altLang="en-US"/>
+                    </a:p>
+                  </a:txBody>
+                  <a:tcPr/>
+                </a:tc>
+                <a:tc>
+                  <a:txBody>
+                    <a:bodyPr/>
+                    <a:lstStyle/>
+                    <a:p>
+                      <a:pPr marL="0" marR="0" indent="0" algn="l" defTabSz="1072866" rtl="0" eaLnBrk="1" fontAlgn="auto" latinLnBrk="1" hangingPunct="1">
+                        <a:lnSpc>
+                          <a:spcPct val="125000"/>
+                        </a:lnSpc>
+                        <a:spcBef>
+                          <a:spcPts val="0"/>
+                        </a:spcBef>
+                        <a:spcAft>
+                          <a:spcPts val="500"/>
+                        </a:spcAft>
+                        <a:buClrTx/>
+                        <a:buSzTx/>
+                        <a:buFont typeface="Arial" panose="020B0604020202020204" pitchFamily="34" charset="0"/>
+                        <a:buNone/>
+                        <a:tabLst/>
+                        <a:defRPr/>
+                      </a:pPr>
+                      <a:r>
+                        <a:rPr lang="en-US" altLang="ko-KR" sz="1400" baseline="0" dirty="0" smtClean="0"/>
+                        <a:t>5. </a:t>
+                      </a:r>
+                      <a:r>
+                        <a:rPr lang="ko-KR" altLang="en-US" sz="1400" baseline="0" dirty="0" smtClean="0"/>
+                        <a:t>문의	</a:t>
+                      </a:r>
+                      <a:r>
+                        <a:rPr lang="en-US" altLang="ko-KR" sz="1400" baseline="0" dirty="0" smtClean="0"/>
+                        <a:t>: </a:t>
+                      </a:r>
+                      <a:r>
+                        <a:rPr lang="ko-KR" altLang="en-US" sz="1400" baseline="0" dirty="0" smtClean="0"/>
+                        <a:t>클릭 시 해당 이미지로 변경</a:t>
+                      </a:r>
+                      <a:endParaRPr lang="ko-KR" altLang="en-US" sz="1400" dirty="0" smtClean="0"/>
+                    </a:p>
+                  </a:txBody>
+                  <a:tcPr marL="180000" marT="72000" marB="72000"/>
+                </a:tc>
+                <a:tc>
+                  <a:txBody>
+                    <a:bodyPr/>
+                    <a:lstStyle/>
+                    <a:p>
+                      <a:pPr marL="0" marR="0" indent="0" algn="ctr" defTabSz="1072866" rtl="0" eaLnBrk="1" fontAlgn="auto" latinLnBrk="1" hangingPunct="1">
+                        <a:lnSpc>
+                          <a:spcPct val="125000"/>
+                        </a:lnSpc>
+                        <a:spcBef>
+                          <a:spcPts val="0"/>
+                        </a:spcBef>
+                        <a:spcAft>
+                          <a:spcPts val="0"/>
+                        </a:spcAft>
+                        <a:buClrTx/>
+                        <a:buSzTx/>
+                        <a:buFontTx/>
+                        <a:buNone/>
+                        <a:tabLst/>
+                        <a:defRPr/>
+                      </a:pPr>
+                      <a:r>
+                        <a:rPr lang="en-US" altLang="ko-KR" sz="1400" dirty="0" smtClean="0"/>
+                        <a:t>O</a:t>
+                      </a:r>
+                      <a:endParaRPr lang="ko-KR" altLang="en-US" sz="1400" dirty="0" smtClean="0"/>
+                    </a:p>
+                  </a:txBody>
+                  <a:tcPr marL="180000" marT="72000" marB="72000"/>
+                </a:tc>
+              </a:tr>
+            </a:tbl>
+          </a:graphicData>
+        </a:graphic>
+      </p:graphicFrame>
+      <p:sp>
+        <p:nvSpPr>
+          <p:cNvPr id="5" name="직사각형 4"/>
+          <p:cNvSpPr/>
+          <p:nvPr/>
+        </p:nvSpPr>
+        <p:spPr>
+          <a:xfrm>
+            <a:off x="10497616" y="2230355"/>
+            <a:ext cx="900100" cy="3672000"/>
+          </a:xfrm>
+          <a:prstGeom prst="rect">
+            <a:avLst/>
+          </a:prstGeom>
+          <a:solidFill>
+            <a:schemeClr val="bg1">
+              <a:lumMod val="75000"/>
+            </a:schemeClr>
+          </a:solidFill>
+          <a:ln>
+            <a:noFill/>
+          </a:ln>
+        </p:spPr>
+        <p:style>
+          <a:lnRef idx="2">
+            <a:schemeClr val="accent1">
+              <a:shade val="50000"/>
+            </a:schemeClr>
+          </a:lnRef>
+          <a:fillRef idx="1">
+            <a:schemeClr val="accent1"/>
+          </a:fillRef>
+          <a:effectRef idx="0">
+            <a:schemeClr val="accent1"/>
+          </a:effectRef>
+          <a:fontRef idx="minor">
+            <a:schemeClr val="lt1"/>
+          </a:fontRef>
+        </p:style>
+        <p:txBody>
+          <a:bodyPr rtlCol="0" anchor="ctr"/>
+          <a:lstStyle/>
+          <a:p>
+            <a:pPr algn="ctr"/>
+            <a:endParaRPr lang="ko-KR" altLang="en-US"/>
+          </a:p>
+        </p:txBody>
+      </p:sp>
+      <p:sp>
+        <p:nvSpPr>
+          <p:cNvPr id="6" name="직사각형 5"/>
+          <p:cNvSpPr/>
+          <p:nvPr/>
+        </p:nvSpPr>
+        <p:spPr>
+          <a:xfrm>
+            <a:off x="3296816" y="965081"/>
+            <a:ext cx="3312368" cy="574581"/>
+          </a:xfrm>
+          <a:prstGeom prst="rect">
+            <a:avLst/>
+          </a:prstGeom>
+        </p:spPr>
+        <p:txBody>
+          <a:bodyPr wrap="square" anchor="b">
+            <a:spAutoFit/>
+          </a:bodyPr>
+          <a:lstStyle/>
+          <a:p>
+            <a:pPr algn="ctr">
+              <a:lnSpc>
+                <a:spcPct val="125000"/>
+              </a:lnSpc>
+            </a:pPr>
+            <a:r>
+              <a:rPr lang="en-US" altLang="ko-KR" sz="2800" b="1" dirty="0" smtClean="0">
+                <a:solidFill>
+                  <a:schemeClr val="bg1"/>
+                </a:solidFill>
+              </a:rPr>
+              <a:t>3-1. </a:t>
+            </a:r>
+            <a:r>
+              <a:rPr lang="ko-KR" altLang="en-US" sz="2800" b="1" dirty="0" smtClean="0">
+                <a:solidFill>
+                  <a:schemeClr val="bg1"/>
+                </a:solidFill>
+              </a:rPr>
+              <a:t>테스트케이스</a:t>
+            </a:r>
+            <a:endParaRPr lang="ko-KR" altLang="en-US" sz="2800" b="1" dirty="0">
+              <a:solidFill>
+                <a:schemeClr val="bg1"/>
+              </a:solidFill>
+            </a:endParaRPr>
+          </a:p>
+        </p:txBody>
+      </p:sp>
+    </p:spTree>
+    <p:extLst>
+      <p:ext uri="{BB962C8B-B14F-4D97-AF65-F5344CB8AC3E}">
+        <p14:creationId xmlns:p14="http://schemas.microsoft.com/office/powerpoint/2010/main" val="2747171785"/>
+      </p:ext>
+    </p:extLst>
+  </p:cSld>
+  <p:clrMapOvr>
+    <a:overrideClrMapping bg1="lt1" tx1="dk1" bg2="lt2" tx2="dk2" accent1="accent1" accent2="accent2" accent3="accent3" accent4="accent4" accent5="accent5" accent6="accent6" hlink="hlink" folHlink="folHlink"/>
+  </p:clrMapOvr>
+  <p:timing>
+    <p:tnLst>
+      <p:par>
+        <p:cTn id="1" dur="indefinite" restart="never" nodeType="tmRoot"/>
+      </p:par>
+    </p:tnLst>
+  </p:timing>
+</p:sld>
+</file>
+
+<file path=ppt/slides/slide8.xml><?xml version="1.0" encoding="utf-8"?>
+<p:sld xmlns:a="http://schemas.openxmlformats.org/drawingml/2006/main" xmlns:r="http://schemas.openxmlformats.org/officeDocument/2006/relationships" xmlns:p="http://schemas.openxmlformats.org/presentationml/2006/main">
+  <p:cSld>
+    <p:bg>
+      <p:bgPr>
+        <a:solidFill>
+          <a:srgbClr val="292A2E"/>
+        </a:solidFill>
+        <a:effectLst/>
+      </p:bgPr>
+    </p:bg>
+    <p:spTree>
+      <p:nvGrpSpPr>
+        <p:cNvPr id="1" name=""/>
+        <p:cNvGrpSpPr/>
+        <p:nvPr/>
+      </p:nvGrpSpPr>
+      <p:grpSpPr>
+        <a:xfrm>
+          <a:off x="0" y="0"/>
+          <a:ext cx="0" cy="0"/>
+          <a:chOff x="0" y="0"/>
+          <a:chExt cx="0" cy="0"/>
+        </a:xfrm>
+      </p:grpSpPr>
+      <p:graphicFrame>
+        <p:nvGraphicFramePr>
+          <p:cNvPr id="2" name="표 1"/>
+          <p:cNvGraphicFramePr>
+            <a:graphicFrameLocks noGrp="1"/>
+          </p:cNvGraphicFramePr>
+          <p:nvPr>
+            <p:extLst>
+              <p:ext uri="{D42A27DB-BD31-4B8C-83A1-F6EECF244321}">
+                <p14:modId xmlns:p14="http://schemas.microsoft.com/office/powerpoint/2010/main" val="1115700764"/>
+              </p:ext>
+            </p:extLst>
+          </p:nvPr>
+        </p:nvGraphicFramePr>
+        <p:xfrm>
+          <a:off x="1352600" y="2520838"/>
+          <a:ext cx="7200800" cy="3381517"/>
+        </p:xfrm>
+        <a:graphic>
+          <a:graphicData uri="http://schemas.openxmlformats.org/drawingml/2006/table">
+            <a:tbl>
+              <a:tblPr bandRow="1">
+                <a:tableStyleId>{1E171933-4619-4E11-9A3F-F7608DF75F80}</a:tableStyleId>
+              </a:tblPr>
+              <a:tblGrid>
+                <a:gridCol w="7200800"/>
+              </a:tblGrid>
+              <a:tr h="3381517">
+                <a:tc>
+                  <a:txBody>
+                    <a:bodyPr/>
+                    <a:lstStyle/>
+                    <a:p>
+                      <a:pPr marL="0" indent="0" algn="ctr" latinLnBrk="1">
+                        <a:lnSpc>
+                          <a:spcPct val="125000"/>
+                        </a:lnSpc>
+                        <a:spcAft>
+                          <a:spcPts val="500"/>
+                        </a:spcAft>
+                        <a:buFont typeface="Arial" panose="020B0604020202020204" pitchFamily="34" charset="0"/>
+                        <a:buNone/>
+                      </a:pPr>
+                      <a:r>
+                        <a:rPr lang="ko-KR" altLang="en-US" sz="2000" b="1" dirty="0" smtClean="0">
+                          <a:solidFill>
+                            <a:srgbClr val="B07100"/>
+                          </a:solidFill>
+                        </a:rPr>
+                        <a:t>프로그램 구현내용</a:t>
+                      </a:r>
+                      <a:r>
+                        <a:rPr lang="en-US" altLang="ko-KR" sz="2000" b="1" dirty="0" smtClean="0">
+                          <a:solidFill>
+                            <a:srgbClr val="B07100"/>
+                          </a:solidFill>
+                        </a:rPr>
+                        <a:t>*</a:t>
+                      </a:r>
+                      <a:r>
+                        <a:rPr lang="ko-KR" altLang="en-US" sz="2000" b="1" dirty="0" smtClean="0"/>
+                        <a:t>이 올바르게 작동</a:t>
+                      </a:r>
+                      <a:r>
+                        <a:rPr lang="en-US" altLang="ko-KR" sz="2000" b="1" dirty="0" smtClean="0"/>
+                        <a:t/>
+                      </a:r>
+                      <a:br>
+                        <a:rPr lang="en-US" altLang="ko-KR" sz="2000" b="1" dirty="0" smtClean="0"/>
+                      </a:br>
+                      <a:r>
+                        <a:rPr lang="en-US" altLang="ko-KR" sz="2000" b="1" dirty="0" smtClean="0"/>
+                        <a:t/>
+                      </a:r>
+                      <a:br>
+                        <a:rPr lang="en-US" altLang="ko-KR" sz="2000" b="1" dirty="0" smtClean="0"/>
+                      </a:br>
+                      <a:r>
+                        <a:rPr lang="en-US" altLang="ko-KR" sz="1800" b="1" dirty="0" smtClean="0">
+                          <a:solidFill>
+                            <a:srgbClr val="B07100"/>
+                          </a:solidFill>
+                        </a:rPr>
+                        <a:t>2. </a:t>
+                      </a:r>
+                      <a:r>
+                        <a:rPr lang="ko-KR" altLang="en-US" sz="1800" b="1" dirty="0" smtClean="0">
+                          <a:solidFill>
+                            <a:srgbClr val="B07100"/>
+                          </a:solidFill>
+                        </a:rPr>
+                        <a:t>프로그램 구현 내용</a:t>
+                      </a:r>
+                      <a:r>
+                        <a:rPr lang="en-US" altLang="ko-KR" sz="1800" b="1" dirty="0" smtClean="0">
+                          <a:solidFill>
+                            <a:srgbClr val="B07100"/>
+                          </a:solidFill>
+                        </a:rPr>
+                        <a:t>, 6page *</a:t>
+                      </a:r>
+                    </a:p>
+                    <a:p>
+                      <a:pPr marL="1343025" indent="-190500" latinLnBrk="1">
+                        <a:lnSpc>
+                          <a:spcPct val="125000"/>
+                        </a:lnSpc>
+                        <a:spcAft>
+                          <a:spcPts val="500"/>
+                        </a:spcAft>
+                        <a:buFont typeface="Arial" panose="020B0604020202020204" pitchFamily="34" charset="0"/>
+                        <a:buChar char="•"/>
+                      </a:pPr>
+                      <a:r>
+                        <a:rPr lang="ko-KR" altLang="en-US" sz="1800" dirty="0" err="1" smtClean="0"/>
+                        <a:t>메뉴바</a:t>
+                      </a:r>
+                      <a:r>
+                        <a:rPr lang="ko-KR" altLang="en-US" sz="1800" dirty="0" smtClean="0"/>
+                        <a:t> 드래그 시 화면에서 이동</a:t>
+                      </a:r>
+                    </a:p>
+                    <a:p>
+                      <a:pPr marL="1343025" indent="-190500" latinLnBrk="1">
+                        <a:lnSpc>
+                          <a:spcPct val="125000"/>
+                        </a:lnSpc>
+                        <a:spcAft>
+                          <a:spcPts val="500"/>
+                        </a:spcAft>
+                        <a:buFont typeface="Arial" panose="020B0604020202020204" pitchFamily="34" charset="0"/>
+                        <a:buChar char="•"/>
+                      </a:pPr>
+                      <a:r>
+                        <a:rPr lang="ko-KR" altLang="en-US" sz="1800" dirty="0" smtClean="0"/>
+                        <a:t>윈도우 화면 중앙에 </a:t>
+                      </a:r>
+                      <a:r>
+                        <a:rPr lang="ko-KR" altLang="en-US" sz="1800" dirty="0" err="1" smtClean="0"/>
+                        <a:t>뜨게하기</a:t>
+                      </a:r>
+                      <a:endParaRPr lang="ko-KR" altLang="en-US" sz="1800" dirty="0" smtClean="0"/>
+                    </a:p>
+                    <a:p>
+                      <a:pPr marL="1343025" indent="-190500" latinLnBrk="1">
+                        <a:lnSpc>
+                          <a:spcPct val="125000"/>
+                        </a:lnSpc>
+                        <a:spcAft>
+                          <a:spcPts val="500"/>
+                        </a:spcAft>
+                        <a:buFont typeface="Arial" panose="020B0604020202020204" pitchFamily="34" charset="0"/>
+                        <a:buChar char="•"/>
+                      </a:pPr>
+                      <a:r>
+                        <a:rPr lang="ko-KR" altLang="en-US" sz="1800" dirty="0" smtClean="0"/>
+                        <a:t>좌측 메뉴버튼 </a:t>
+                      </a:r>
+                      <a:r>
+                        <a:rPr lang="ko-KR" altLang="en-US" sz="1800" dirty="0" err="1" smtClean="0"/>
+                        <a:t>클릭시</a:t>
+                      </a:r>
+                      <a:r>
+                        <a:rPr lang="ko-KR" altLang="en-US" sz="1800" dirty="0" smtClean="0"/>
+                        <a:t> </a:t>
+                      </a:r>
+                      <a:r>
+                        <a:rPr lang="ko-KR" altLang="en-US" sz="1800" dirty="0" err="1" smtClean="0"/>
+                        <a:t>우측판넬</a:t>
+                      </a:r>
+                      <a:r>
+                        <a:rPr lang="ko-KR" altLang="en-US" sz="1800" dirty="0" smtClean="0"/>
+                        <a:t> 이미지 변경</a:t>
+                      </a:r>
+                      <a:endParaRPr lang="ko-KR" altLang="en-US" sz="1800" dirty="0"/>
+                    </a:p>
+                  </a:txBody>
+                  <a:tcPr anchor="ctr"/>
+                </a:tc>
+              </a:tr>
+            </a:tbl>
+          </a:graphicData>
+        </a:graphic>
+      </p:graphicFrame>
+      <p:sp>
+        <p:nvSpPr>
+          <p:cNvPr id="5" name="직사각형 4"/>
+          <p:cNvSpPr/>
+          <p:nvPr/>
+        </p:nvSpPr>
+        <p:spPr>
+          <a:xfrm>
+            <a:off x="10497616" y="2230355"/>
+            <a:ext cx="900100" cy="3672000"/>
+          </a:xfrm>
+          <a:prstGeom prst="rect">
+            <a:avLst/>
+          </a:prstGeom>
+          <a:solidFill>
+            <a:schemeClr val="bg1">
+              <a:lumMod val="75000"/>
+            </a:schemeClr>
+          </a:solidFill>
+          <a:ln>
+            <a:noFill/>
+          </a:ln>
+        </p:spPr>
+        <p:style>
+          <a:lnRef idx="2">
+            <a:schemeClr val="accent1">
+              <a:shade val="50000"/>
+            </a:schemeClr>
+          </a:lnRef>
+          <a:fillRef idx="1">
+            <a:schemeClr val="accent1"/>
+          </a:fillRef>
+          <a:effectRef idx="0">
+            <a:schemeClr val="accent1"/>
+          </a:effectRef>
+          <a:fontRef idx="minor">
+            <a:schemeClr val="lt1"/>
+          </a:fontRef>
+        </p:style>
+        <p:txBody>
+          <a:bodyPr rtlCol="0" anchor="ctr"/>
+          <a:lstStyle/>
+          <a:p>
+            <a:pPr algn="ctr"/>
+            <a:endParaRPr lang="ko-KR" altLang="en-US"/>
+          </a:p>
+        </p:txBody>
+      </p:sp>
+      <p:sp>
+        <p:nvSpPr>
+          <p:cNvPr id="6" name="직사각형 5"/>
+          <p:cNvSpPr/>
+          <p:nvPr/>
+        </p:nvSpPr>
+        <p:spPr>
+          <a:xfrm>
+            <a:off x="1856656" y="908720"/>
+            <a:ext cx="6192688" cy="630942"/>
+          </a:xfrm>
+          <a:prstGeom prst="rect">
+            <a:avLst/>
+          </a:prstGeom>
+        </p:spPr>
+        <p:txBody>
+          <a:bodyPr wrap="square" anchor="b">
+            <a:spAutoFit/>
+          </a:bodyPr>
+          <a:lstStyle/>
+          <a:p>
+            <a:pPr algn="ctr">
+              <a:lnSpc>
+                <a:spcPct val="125000"/>
+              </a:lnSpc>
+            </a:pPr>
+            <a:r>
+              <a:rPr lang="en-US" altLang="ko-KR" sz="2800" b="1" dirty="0" smtClean="0">
+                <a:solidFill>
+                  <a:schemeClr val="bg1"/>
+                </a:solidFill>
+              </a:rPr>
+              <a:t>3-2. </a:t>
+            </a:r>
+            <a:r>
+              <a:rPr lang="ko-KR" altLang="en-US" sz="2800" b="1" dirty="0" smtClean="0">
+                <a:solidFill>
+                  <a:schemeClr val="bg1"/>
+                </a:solidFill>
+              </a:rPr>
+              <a:t>테스트 </a:t>
+            </a:r>
+            <a:r>
+              <a:rPr lang="ko-KR" altLang="en-US" sz="2800" b="1" dirty="0">
+                <a:solidFill>
+                  <a:schemeClr val="bg1"/>
+                </a:solidFill>
+              </a:rPr>
+              <a:t>결과 요약</a:t>
+            </a:r>
+            <a:endParaRPr lang="ko-KR" altLang="en-US" sz="2800" b="1" dirty="0">
+              <a:solidFill>
+                <a:schemeClr val="bg1"/>
+              </a:solidFill>
+            </a:endParaRPr>
+          </a:p>
+        </p:txBody>
+      </p:sp>
+    </p:spTree>
+    <p:extLst>
+      <p:ext uri="{BB962C8B-B14F-4D97-AF65-F5344CB8AC3E}">
+        <p14:creationId xmlns:p14="http://schemas.microsoft.com/office/powerpoint/2010/main" val="208130488"/>
+      </p:ext>
+    </p:extLst>
+  </p:cSld>
+  <p:clrMapOvr>
+    <a:overrideClrMapping bg1="lt1" tx1="dk1" bg2="lt2" tx2="dk2" accent1="accent1" accent2="accent2" accent3="accent3" accent4="accent4" accent5="accent5" accent6="accent6" hlink="hlink" folHlink="folHlink"/>
+  </p:clrMapOvr>
+  <p:timing>
+    <p:tnLst>
+      <p:par>
+        <p:cTn id="1" dur="indefinite" restart="never" nodeType="tmRoot"/>
+      </p:par>
+    </p:tnLst>
+  </p:timing>
+</p:sld>
+</file>
+
+<file path=ppt/slides/slide9.xml><?xml version="1.0" encoding="utf-8"?>
+<p:sld xmlns:a="http://schemas.openxmlformats.org/drawingml/2006/main" xmlns:r="http://schemas.openxmlformats.org/officeDocument/2006/relationships" xmlns:p="http://schemas.openxmlformats.org/presentationml/2006/main">
+  <p:cSld>
+    <p:bg>
+      <p:bgPr>
+        <a:solidFill>
+          <a:srgbClr val="292A2E"/>
+        </a:solidFill>
+        <a:effectLst/>
+      </p:bgPr>
+    </p:bg>
+    <p:spTree>
+      <p:nvGrpSpPr>
+        <p:cNvPr id="1" name=""/>
+        <p:cNvGrpSpPr/>
+        <p:nvPr/>
+      </p:nvGrpSpPr>
+      <p:grpSpPr>
+        <a:xfrm>
+          <a:off x="0" y="0"/>
+          <a:ext cx="0" cy="0"/>
+          <a:chOff x="0" y="0"/>
+          <a:chExt cx="0" cy="0"/>
+        </a:xfrm>
+      </p:grpSpPr>
+      <p:graphicFrame>
+        <p:nvGraphicFramePr>
+          <p:cNvPr id="2" name="표 1"/>
+          <p:cNvGraphicFramePr>
+            <a:graphicFrameLocks noGrp="1"/>
+          </p:cNvGraphicFramePr>
+          <p:nvPr>
+            <p:extLst>
+              <p:ext uri="{D42A27DB-BD31-4B8C-83A1-F6EECF244321}">
+                <p14:modId xmlns:p14="http://schemas.microsoft.com/office/powerpoint/2010/main" val="3978832219"/>
+              </p:ext>
+            </p:extLst>
+          </p:nvPr>
+        </p:nvGraphicFramePr>
+        <p:xfrm>
+          <a:off x="1352600" y="2133439"/>
+          <a:ext cx="7200800" cy="3768916"/>
+        </p:xfrm>
+        <a:graphic>
+          <a:graphicData uri="http://schemas.openxmlformats.org/drawingml/2006/table">
+            <a:tbl>
+              <a:tblPr bandRow="1">
+                <a:tableStyleId>{1E171933-4619-4E11-9A3F-F7608DF75F80}</a:tableStyleId>
+              </a:tblPr>
+              <a:tblGrid>
+                <a:gridCol w="7200800"/>
+              </a:tblGrid>
+              <a:tr h="3768916">
+                <a:tc>
+                  <a:txBody>
+                    <a:bodyPr/>
+                    <a:lstStyle/>
+                    <a:p>
+                      <a:pPr marL="609600" indent="-342900" latinLnBrk="1">
+                        <a:lnSpc>
+                          <a:spcPct val="125000"/>
+                        </a:lnSpc>
+                        <a:spcAft>
+                          <a:spcPts val="500"/>
+                        </a:spcAft>
+                        <a:buFont typeface="+mj-lt"/>
+                        <a:buAutoNum type="arabicPeriod"/>
+                      </a:pPr>
+                      <a:r>
+                        <a:rPr lang="ko-KR" altLang="en-US" sz="1600" b="1" dirty="0" smtClean="0"/>
+                        <a:t>메인 이미지</a:t>
+                      </a:r>
+                      <a:r>
+                        <a:rPr lang="ko-KR" altLang="en-US" sz="1600" b="1" dirty="0" smtClean="0">
+                          <a:solidFill>
+                            <a:srgbClr val="B07100"/>
+                          </a:solidFill>
+                        </a:rPr>
+                        <a:t>*</a:t>
+                      </a:r>
+                      <a:r>
+                        <a:rPr lang="ko-KR" altLang="en-US" sz="1600" b="1" dirty="0" smtClean="0"/>
+                        <a:t>가 프로그램 시작화면 첫 이미지로 시작하지 않음</a:t>
+                      </a:r>
+                      <a:endParaRPr lang="en-US" altLang="ko-KR" sz="1600" b="1" dirty="0" smtClean="0"/>
+                    </a:p>
+                    <a:p>
+                      <a:pPr marL="809625" indent="-200025" latinLnBrk="1">
+                        <a:lnSpc>
+                          <a:spcPct val="125000"/>
+                        </a:lnSpc>
+                        <a:spcAft>
+                          <a:spcPts val="500"/>
+                        </a:spcAft>
+                        <a:buFont typeface="Arial" panose="020B0604020202020204" pitchFamily="34" charset="0"/>
+                        <a:buChar char="•"/>
+                      </a:pPr>
+                      <a:r>
+                        <a:rPr lang="ko-KR" altLang="en-US" sz="1400" dirty="0" smtClean="0"/>
+                        <a:t>프로그램 구동에는 문제가 없음</a:t>
+                      </a:r>
+                    </a:p>
+                    <a:p>
+                      <a:pPr marL="809625" indent="-200025" latinLnBrk="1">
+                        <a:lnSpc>
+                          <a:spcPct val="125000"/>
+                        </a:lnSpc>
+                        <a:spcAft>
+                          <a:spcPts val="500"/>
+                        </a:spcAft>
+                        <a:buFont typeface="Arial" panose="020B0604020202020204" pitchFamily="34" charset="0"/>
+                        <a:buChar char="•"/>
+                      </a:pPr>
+                      <a:r>
+                        <a:rPr lang="ko-KR" altLang="en-US" sz="1400" b="1" dirty="0" err="1" smtClean="0">
+                          <a:solidFill>
+                            <a:srgbClr val="B07100"/>
+                          </a:solidFill>
+                        </a:rPr>
+                        <a:t>메인이미지</a:t>
+                      </a:r>
+                      <a:r>
+                        <a:rPr lang="ko-KR" altLang="en-US" sz="1400" b="1" dirty="0" smtClean="0">
+                          <a:solidFill>
+                            <a:srgbClr val="B07100"/>
+                          </a:solidFill>
+                        </a:rPr>
+                        <a:t>*</a:t>
+                      </a:r>
+                      <a:r>
+                        <a:rPr lang="ko-KR" altLang="en-US" sz="1400" dirty="0" smtClean="0"/>
+                        <a:t> </a:t>
+                      </a:r>
+                      <a:r>
+                        <a:rPr lang="en-US" altLang="ko-KR" sz="1400" dirty="0" smtClean="0"/>
+                        <a:t>= </a:t>
+                      </a:r>
+                      <a:r>
+                        <a:rPr lang="ko-KR" altLang="en-US" sz="1400" dirty="0" smtClean="0"/>
+                        <a:t>로고 버튼을 누르면 나타나는 이미지</a:t>
+                      </a:r>
+                      <a:endParaRPr lang="ko-KR" altLang="en-US" sz="1600" dirty="0" smtClean="0"/>
+                    </a:p>
+                    <a:p>
+                      <a:pPr marL="609600" indent="-342900" latinLnBrk="1">
+                        <a:lnSpc>
+                          <a:spcPct val="125000"/>
+                        </a:lnSpc>
+                        <a:spcBef>
+                          <a:spcPts val="1300"/>
+                        </a:spcBef>
+                        <a:spcAft>
+                          <a:spcPts val="500"/>
+                        </a:spcAft>
+                        <a:buFont typeface="+mj-lt"/>
+                        <a:buAutoNum type="arabicPeriod" startAt="2"/>
+                      </a:pPr>
+                      <a:r>
+                        <a:rPr lang="ko-KR" altLang="en-US" sz="1600" b="1" kern="1200" dirty="0" smtClean="0">
+                          <a:solidFill>
+                            <a:schemeClr val="dk1"/>
+                          </a:solidFill>
+                          <a:latin typeface="+mn-lt"/>
+                          <a:ea typeface="+mn-ea"/>
+                          <a:cs typeface="+mn-cs"/>
+                        </a:rPr>
+                        <a:t>종료버튼 생성 및 기능을 구현했으나 해당위치에 보이지 않음</a:t>
+                      </a:r>
+                    </a:p>
+                    <a:p>
+                      <a:pPr marL="809625" indent="-200025" latinLnBrk="1">
+                        <a:lnSpc>
+                          <a:spcPct val="125000"/>
+                        </a:lnSpc>
+                        <a:spcAft>
+                          <a:spcPts val="500"/>
+                        </a:spcAft>
+                        <a:buFont typeface="Arial" panose="020B0604020202020204" pitchFamily="34" charset="0"/>
+                        <a:buChar char="•"/>
+                      </a:pPr>
+                      <a:r>
+                        <a:rPr lang="ko-KR" altLang="en-US" sz="1400" kern="1200" dirty="0" smtClean="0">
+                          <a:solidFill>
+                            <a:schemeClr val="dk1"/>
+                          </a:solidFill>
+                          <a:latin typeface="+mn-lt"/>
+                          <a:ea typeface="+mn-ea"/>
+                          <a:cs typeface="+mn-cs"/>
+                        </a:rPr>
+                        <a:t>작업 표시줄에서 </a:t>
+                      </a:r>
+                      <a:r>
+                        <a:rPr lang="ko-KR" altLang="en-US" sz="1400" kern="1200" dirty="0" err="1" smtClean="0">
+                          <a:solidFill>
+                            <a:schemeClr val="dk1"/>
+                          </a:solidFill>
+                          <a:latin typeface="+mn-lt"/>
+                          <a:ea typeface="+mn-ea"/>
+                          <a:cs typeface="+mn-cs"/>
+                        </a:rPr>
+                        <a:t>우클릭</a:t>
+                      </a:r>
+                      <a:r>
+                        <a:rPr lang="ko-KR" altLang="en-US" sz="1400" kern="1200" dirty="0" smtClean="0">
+                          <a:solidFill>
+                            <a:schemeClr val="dk1"/>
+                          </a:solidFill>
+                          <a:latin typeface="+mn-lt"/>
+                          <a:ea typeface="+mn-ea"/>
+                          <a:cs typeface="+mn-cs"/>
+                        </a:rPr>
+                        <a:t> 또는 </a:t>
+                      </a:r>
+                      <a:r>
+                        <a:rPr lang="en-US" altLang="ko-KR" sz="1400" kern="1200" dirty="0" smtClean="0">
+                          <a:solidFill>
+                            <a:schemeClr val="dk1"/>
+                          </a:solidFill>
+                          <a:latin typeface="+mn-lt"/>
+                          <a:ea typeface="+mn-ea"/>
+                          <a:cs typeface="+mn-cs"/>
+                        </a:rPr>
+                        <a:t>alt+F4</a:t>
+                      </a:r>
+                      <a:r>
+                        <a:rPr lang="ko-KR" altLang="en-US" sz="1400" kern="1200" dirty="0" smtClean="0">
+                          <a:solidFill>
+                            <a:schemeClr val="dk1"/>
+                          </a:solidFill>
+                          <a:latin typeface="+mn-lt"/>
+                          <a:ea typeface="+mn-ea"/>
+                          <a:cs typeface="+mn-cs"/>
+                        </a:rPr>
+                        <a:t>로만 종료가능</a:t>
+                      </a:r>
+                    </a:p>
+                    <a:p>
+                      <a:pPr marL="552450" indent="-285750" latinLnBrk="1">
+                        <a:lnSpc>
+                          <a:spcPct val="125000"/>
+                        </a:lnSpc>
+                        <a:spcBef>
+                          <a:spcPts val="2000"/>
+                        </a:spcBef>
+                        <a:spcAft>
+                          <a:spcPts val="500"/>
+                        </a:spcAft>
+                        <a:buFont typeface="Wingdings" panose="05000000000000000000" pitchFamily="2" charset="2"/>
+                        <a:buChar char="ü"/>
+                      </a:pPr>
+                      <a:r>
+                        <a:rPr lang="ko-KR" altLang="en-US" sz="1600" b="1" kern="1200" dirty="0" smtClean="0">
+                          <a:solidFill>
+                            <a:srgbClr val="554515"/>
+                          </a:solidFill>
+                          <a:latin typeface="+mn-lt"/>
+                          <a:ea typeface="+mn-ea"/>
+                          <a:cs typeface="+mn-cs"/>
+                        </a:rPr>
+                        <a:t>프로그램 동작에는 크게 이상이 없지만 </a:t>
+                      </a:r>
+                      <a:r>
+                        <a:rPr lang="ko-KR" altLang="en-US" sz="1600" b="1" kern="1200" dirty="0" err="1" smtClean="0">
+                          <a:solidFill>
+                            <a:srgbClr val="554515"/>
+                          </a:solidFill>
+                          <a:latin typeface="+mn-lt"/>
+                          <a:ea typeface="+mn-ea"/>
+                          <a:cs typeface="+mn-cs"/>
+                        </a:rPr>
+                        <a:t>사용성이</a:t>
+                      </a:r>
+                      <a:r>
+                        <a:rPr lang="ko-KR" altLang="en-US" sz="1600" b="1" kern="1200" dirty="0" smtClean="0">
+                          <a:solidFill>
+                            <a:srgbClr val="554515"/>
+                          </a:solidFill>
+                          <a:latin typeface="+mn-lt"/>
+                          <a:ea typeface="+mn-ea"/>
+                          <a:cs typeface="+mn-cs"/>
+                        </a:rPr>
+                        <a:t> 떨어지므로</a:t>
+                      </a:r>
+                      <a:r>
+                        <a:rPr lang="en-US" altLang="ko-KR" sz="1600" b="1" kern="1200" dirty="0" smtClean="0">
+                          <a:solidFill>
+                            <a:srgbClr val="554515"/>
+                          </a:solidFill>
+                          <a:latin typeface="+mn-lt"/>
+                          <a:ea typeface="+mn-ea"/>
+                          <a:cs typeface="+mn-cs"/>
+                        </a:rPr>
+                        <a:t/>
+                      </a:r>
+                      <a:br>
+                        <a:rPr lang="en-US" altLang="ko-KR" sz="1600" b="1" kern="1200" dirty="0" smtClean="0">
+                          <a:solidFill>
+                            <a:srgbClr val="554515"/>
+                          </a:solidFill>
+                          <a:latin typeface="+mn-lt"/>
+                          <a:ea typeface="+mn-ea"/>
+                          <a:cs typeface="+mn-cs"/>
+                        </a:rPr>
+                      </a:br>
+                      <a:r>
+                        <a:rPr lang="en-US" altLang="ko-KR" sz="1600" b="1" kern="1200" dirty="0" smtClean="0">
+                          <a:solidFill>
+                            <a:srgbClr val="554515"/>
+                          </a:solidFill>
+                          <a:latin typeface="+mn-lt"/>
+                          <a:ea typeface="+mn-ea"/>
+                          <a:cs typeface="+mn-cs"/>
+                        </a:rPr>
+                        <a:t>1, 2</a:t>
+                      </a:r>
+                      <a:r>
+                        <a:rPr lang="ko-KR" altLang="en-US" sz="1600" b="1" kern="1200" dirty="0" smtClean="0">
+                          <a:solidFill>
+                            <a:srgbClr val="554515"/>
+                          </a:solidFill>
+                          <a:latin typeface="+mn-lt"/>
+                          <a:ea typeface="+mn-ea"/>
+                          <a:cs typeface="+mn-cs"/>
+                        </a:rPr>
+                        <a:t>번의 오류를 충분히 검토 후 개선 필요</a:t>
+                      </a:r>
+                      <a:endParaRPr lang="ko-KR" altLang="en-US" sz="1600" b="1" kern="1200" dirty="0">
+                        <a:solidFill>
+                          <a:srgbClr val="554515"/>
+                        </a:solidFill>
+                        <a:latin typeface="+mn-lt"/>
+                        <a:ea typeface="+mn-ea"/>
+                        <a:cs typeface="+mn-cs"/>
+                      </a:endParaRPr>
+                    </a:p>
+                  </a:txBody>
+                  <a:tcPr anchor="ctr"/>
+                </a:tc>
+              </a:tr>
+            </a:tbl>
+          </a:graphicData>
+        </a:graphic>
+      </p:graphicFrame>
+      <p:sp>
+        <p:nvSpPr>
+          <p:cNvPr id="5" name="직사각형 4"/>
+          <p:cNvSpPr/>
+          <p:nvPr/>
+        </p:nvSpPr>
+        <p:spPr>
+          <a:xfrm>
+            <a:off x="10497616" y="2230355"/>
+            <a:ext cx="900100" cy="3672000"/>
+          </a:xfrm>
+          <a:prstGeom prst="rect">
+            <a:avLst/>
+          </a:prstGeom>
+          <a:solidFill>
+            <a:schemeClr val="bg1">
+              <a:lumMod val="75000"/>
+            </a:schemeClr>
+          </a:solidFill>
+          <a:ln>
+            <a:noFill/>
+          </a:ln>
+        </p:spPr>
+        <p:style>
+          <a:lnRef idx="2">
+            <a:schemeClr val="accent1">
+              <a:shade val="50000"/>
+            </a:schemeClr>
+          </a:lnRef>
+          <a:fillRef idx="1">
+            <a:schemeClr val="accent1"/>
+          </a:fillRef>
+          <a:effectRef idx="0">
+            <a:schemeClr val="accent1"/>
+          </a:effectRef>
+          <a:fontRef idx="minor">
+            <a:schemeClr val="lt1"/>
+          </a:fontRef>
+        </p:style>
+        <p:txBody>
+          <a:bodyPr rtlCol="0" anchor="ctr"/>
+          <a:lstStyle/>
+          <a:p>
+            <a:pPr algn="ctr"/>
+            <a:endParaRPr lang="ko-KR" altLang="en-US"/>
+          </a:p>
+        </p:txBody>
+      </p:sp>
+      <p:sp>
+        <p:nvSpPr>
+          <p:cNvPr id="6" name="직사각형 5"/>
+          <p:cNvSpPr/>
+          <p:nvPr/>
+        </p:nvSpPr>
+        <p:spPr>
+          <a:xfrm>
+            <a:off x="1856656" y="908720"/>
+            <a:ext cx="6192688" cy="630942"/>
+          </a:xfrm>
+          <a:prstGeom prst="rect">
+            <a:avLst/>
+          </a:prstGeom>
+        </p:spPr>
+        <p:txBody>
+          <a:bodyPr wrap="square" anchor="b">
+            <a:spAutoFit/>
+          </a:bodyPr>
+          <a:lstStyle/>
+          <a:p>
+            <a:pPr algn="ctr">
+              <a:lnSpc>
+                <a:spcPct val="125000"/>
+              </a:lnSpc>
+            </a:pPr>
+            <a:r>
+              <a:rPr lang="en-US" altLang="ko-KR" sz="2800" b="1" dirty="0" smtClean="0">
+                <a:solidFill>
+                  <a:schemeClr val="bg1"/>
+                </a:solidFill>
+              </a:rPr>
+              <a:t>3-3. </a:t>
+            </a:r>
+            <a:r>
+              <a:rPr lang="ko-KR" altLang="en-US" sz="2800" b="1" dirty="0">
+                <a:solidFill>
+                  <a:schemeClr val="bg1"/>
+                </a:solidFill>
+              </a:rPr>
+              <a:t>테스트 개선사항</a:t>
+            </a:r>
+            <a:endParaRPr lang="ko-KR" altLang="en-US" sz="2800" b="1" dirty="0">
+              <a:solidFill>
+                <a:schemeClr val="bg1"/>
+              </a:solidFill>
+            </a:endParaRPr>
+          </a:p>
+        </p:txBody>
+      </p:sp>
+    </p:spTree>
+    <p:extLst>
+      <p:ext uri="{BB962C8B-B14F-4D97-AF65-F5344CB8AC3E}">
+        <p14:creationId xmlns:p14="http://schemas.microsoft.com/office/powerpoint/2010/main" val="1324879831"/>
       </p:ext>
     </p:extLst>
   </p:cSld>
@@ -4031,7 +6203,7 @@
 <file path=ppt/theme/theme1.xml><?xml version="1.0" encoding="utf-8"?>
 <a:theme xmlns:a="http://schemas.openxmlformats.org/drawingml/2006/main" name="Office 테마">
   <a:themeElements>
-    <a:clrScheme name="Office">
+    <a:clrScheme name="사용자 지정 1">
       <a:dk1>
         <a:sysClr val="windowText" lastClr="000000"/>
       </a:dk1>
@@ -4045,7 +6217,7 @@
         <a:srgbClr val="EEECE1"/>
       </a:lt2>
       <a:accent1>
-        <a:srgbClr val="4F81BD"/>
+        <a:srgbClr val="FFD040"/>
       </a:accent1>
       <a:accent2>
         <a:srgbClr val="C0504D"/>
@@ -4054,7 +6226,7 @@
         <a:srgbClr val="9BBB59"/>
       </a:accent3>
       <a:accent4>
-        <a:srgbClr val="8064A2"/>
+        <a:srgbClr val="595959"/>
       </a:accent4>
       <a:accent5>
         <a:srgbClr val="4BACC6"/>
@@ -4596,176 +6768,4 @@
   <a:objectDefaults/>
   <a:extraClrSchemeLst/>
 </a:theme>
-</file>
-
-<file path=ppt/theme/themeOverride1.xml><?xml version="1.0" encoding="utf-8"?>
-<a:themeOverride xmlns:a="http://schemas.openxmlformats.org/drawingml/2006/main">
-  <a:clrScheme name="Office">
-    <a:dk1>
-      <a:sysClr val="windowText" lastClr="000000"/>
-    </a:dk1>
-    <a:lt1>
-      <a:sysClr val="window" lastClr="FFFFFF"/>
-    </a:lt1>
-    <a:dk2>
-      <a:srgbClr val="1F497D"/>
-    </a:dk2>
-    <a:lt2>
-      <a:srgbClr val="EEECE1"/>
-    </a:lt2>
-    <a:accent1>
-      <a:srgbClr val="4F81BD"/>
-    </a:accent1>
-    <a:accent2>
-      <a:srgbClr val="C0504D"/>
-    </a:accent2>
-    <a:accent3>
-      <a:srgbClr val="9BBB59"/>
-    </a:accent3>
-    <a:accent4>
-      <a:srgbClr val="8064A2"/>
-    </a:accent4>
-    <a:accent5>
-      <a:srgbClr val="4BACC6"/>
-    </a:accent5>
-    <a:accent6>
-      <a:srgbClr val="F79646"/>
-    </a:accent6>
-    <a:hlink>
-      <a:srgbClr val="0000FF"/>
-    </a:hlink>
-    <a:folHlink>
-      <a:srgbClr val="800080"/>
-    </a:folHlink>
-  </a:clrScheme>
-</a:themeOverride>
-</file>
-
-<file path=ppt/theme/themeOverride2.xml><?xml version="1.0" encoding="utf-8"?>
-<a:themeOverride xmlns:a="http://schemas.openxmlformats.org/drawingml/2006/main">
-  <a:clrScheme name="Office">
-    <a:dk1>
-      <a:sysClr val="windowText" lastClr="000000"/>
-    </a:dk1>
-    <a:lt1>
-      <a:sysClr val="window" lastClr="FFFFFF"/>
-    </a:lt1>
-    <a:dk2>
-      <a:srgbClr val="1F497D"/>
-    </a:dk2>
-    <a:lt2>
-      <a:srgbClr val="EEECE1"/>
-    </a:lt2>
-    <a:accent1>
-      <a:srgbClr val="4F81BD"/>
-    </a:accent1>
-    <a:accent2>
-      <a:srgbClr val="C0504D"/>
-    </a:accent2>
-    <a:accent3>
-      <a:srgbClr val="9BBB59"/>
-    </a:accent3>
-    <a:accent4>
-      <a:srgbClr val="8064A2"/>
-    </a:accent4>
-    <a:accent5>
-      <a:srgbClr val="4BACC6"/>
-    </a:accent5>
-    <a:accent6>
-      <a:srgbClr val="F79646"/>
-    </a:accent6>
-    <a:hlink>
-      <a:srgbClr val="0000FF"/>
-    </a:hlink>
-    <a:folHlink>
-      <a:srgbClr val="800080"/>
-    </a:folHlink>
-  </a:clrScheme>
-</a:themeOverride>
-</file>
-
-<file path=ppt/theme/themeOverride3.xml><?xml version="1.0" encoding="utf-8"?>
-<a:themeOverride xmlns:a="http://schemas.openxmlformats.org/drawingml/2006/main">
-  <a:clrScheme name="Office">
-    <a:dk1>
-      <a:sysClr val="windowText" lastClr="000000"/>
-    </a:dk1>
-    <a:lt1>
-      <a:sysClr val="window" lastClr="FFFFFF"/>
-    </a:lt1>
-    <a:dk2>
-      <a:srgbClr val="1F497D"/>
-    </a:dk2>
-    <a:lt2>
-      <a:srgbClr val="EEECE1"/>
-    </a:lt2>
-    <a:accent1>
-      <a:srgbClr val="4F81BD"/>
-    </a:accent1>
-    <a:accent2>
-      <a:srgbClr val="C0504D"/>
-    </a:accent2>
-    <a:accent3>
-      <a:srgbClr val="9BBB59"/>
-    </a:accent3>
-    <a:accent4>
-      <a:srgbClr val="8064A2"/>
-    </a:accent4>
-    <a:accent5>
-      <a:srgbClr val="4BACC6"/>
-    </a:accent5>
-    <a:accent6>
-      <a:srgbClr val="F79646"/>
-    </a:accent6>
-    <a:hlink>
-      <a:srgbClr val="0000FF"/>
-    </a:hlink>
-    <a:folHlink>
-      <a:srgbClr val="800080"/>
-    </a:folHlink>
-  </a:clrScheme>
-</a:themeOverride>
-</file>
-
-<file path=ppt/theme/themeOverride4.xml><?xml version="1.0" encoding="utf-8"?>
-<a:themeOverride xmlns:a="http://schemas.openxmlformats.org/drawingml/2006/main">
-  <a:clrScheme name="Office">
-    <a:dk1>
-      <a:sysClr val="windowText" lastClr="000000"/>
-    </a:dk1>
-    <a:lt1>
-      <a:sysClr val="window" lastClr="FFFFFF"/>
-    </a:lt1>
-    <a:dk2>
-      <a:srgbClr val="1F497D"/>
-    </a:dk2>
-    <a:lt2>
-      <a:srgbClr val="EEECE1"/>
-    </a:lt2>
-    <a:accent1>
-      <a:srgbClr val="4F81BD"/>
-    </a:accent1>
-    <a:accent2>
-      <a:srgbClr val="C0504D"/>
-    </a:accent2>
-    <a:accent3>
-      <a:srgbClr val="9BBB59"/>
-    </a:accent3>
-    <a:accent4>
-      <a:srgbClr val="8064A2"/>
-    </a:accent4>
-    <a:accent5>
-      <a:srgbClr val="4BACC6"/>
-    </a:accent5>
-    <a:accent6>
-      <a:srgbClr val="F79646"/>
-    </a:accent6>
-    <a:hlink>
-      <a:srgbClr val="0000FF"/>
-    </a:hlink>
-    <a:folHlink>
-      <a:srgbClr val="800080"/>
-    </a:folHlink>
-  </a:clrScheme>
-</a:themeOverride>
 </file>